--- a/Data_vis_ggplot2.pptx
+++ b/Data_vis_ggplot2.pptx
@@ -17,16 +17,15 @@
     <p:sldId id="268" r:id="rId11"/>
     <p:sldId id="269" r:id="rId12"/>
     <p:sldId id="270" r:id="rId13"/>
-    <p:sldId id="281" r:id="rId14"/>
-    <p:sldId id="282" r:id="rId15"/>
-    <p:sldId id="299" r:id="rId16"/>
-    <p:sldId id="300" r:id="rId17"/>
-    <p:sldId id="301" r:id="rId18"/>
-    <p:sldId id="258" r:id="rId19"/>
-    <p:sldId id="259" r:id="rId20"/>
-    <p:sldId id="280" r:id="rId21"/>
-    <p:sldId id="278" r:id="rId22"/>
-    <p:sldId id="302" r:id="rId23"/>
+    <p:sldId id="282" r:id="rId14"/>
+    <p:sldId id="299" r:id="rId15"/>
+    <p:sldId id="300" r:id="rId16"/>
+    <p:sldId id="301" r:id="rId17"/>
+    <p:sldId id="258" r:id="rId18"/>
+    <p:sldId id="259" r:id="rId19"/>
+    <p:sldId id="280" r:id="rId20"/>
+    <p:sldId id="278" r:id="rId21"/>
+    <p:sldId id="302" r:id="rId22"/>
   </p:sldIdLst>
   <p:sldSz cx="12192000" cy="6858000"/>
   <p:notesSz cx="6858000" cy="9144000"/>
@@ -125,6 +124,11 @@
       </a:defRPr>
     </a:lvl9pPr>
   </p:defaultTextStyle>
+  <p:extLst>
+    <p:ext uri="{EFAFB233-063F-42B5-8137-9DF3F51BA10A}">
+      <p15:sldGuideLst xmlns:p15="http://schemas.microsoft.com/office/powerpoint/2012/main"/>
+    </p:ext>
+  </p:extLst>
 </p:presentation>
 </file>
 
@@ -411,7 +415,7 @@
           <a:p>
             <a:fld id="{E80C50CD-E178-4744-9B35-B2F624D6C5E9}" type="datetimeFigureOut">
               <a:rPr lang="en-US" smtClean="0"/>
-              <a:t>6/6/25</a:t>
+              <a:t>6/9/25</a:t>
             </a:fld>
             <a:endParaRPr lang="en-US"/>
           </a:p>
@@ -609,7 +613,7 @@
           <a:p>
             <a:fld id="{E80C50CD-E178-4744-9B35-B2F624D6C5E9}" type="datetimeFigureOut">
               <a:rPr lang="en-US" smtClean="0"/>
-              <a:t>6/6/25</a:t>
+              <a:t>6/9/25</a:t>
             </a:fld>
             <a:endParaRPr lang="en-US"/>
           </a:p>
@@ -817,7 +821,7 @@
           <a:p>
             <a:fld id="{E80C50CD-E178-4744-9B35-B2F624D6C5E9}" type="datetimeFigureOut">
               <a:rPr lang="en-US" smtClean="0"/>
-              <a:t>6/6/25</a:t>
+              <a:t>6/9/25</a:t>
             </a:fld>
             <a:endParaRPr lang="en-US"/>
           </a:p>
@@ -1067,7 +1071,7 @@
           <a:p>
             <a:fld id="{E80C50CD-E178-4744-9B35-B2F624D6C5E9}" type="datetimeFigureOut">
               <a:rPr lang="en-US" smtClean="0"/>
-              <a:t>6/6/25</a:t>
+              <a:t>6/9/25</a:t>
             </a:fld>
             <a:endParaRPr lang="en-US"/>
           </a:p>
@@ -1346,7 +1350,7 @@
           <a:p>
             <a:fld id="{E80C50CD-E178-4744-9B35-B2F624D6C5E9}" type="datetimeFigureOut">
               <a:rPr lang="en-US" smtClean="0"/>
-              <a:t>6/6/25</a:t>
+              <a:t>6/9/25</a:t>
             </a:fld>
             <a:endParaRPr lang="en-US"/>
           </a:p>
@@ -1663,7 +1667,7 @@
           <a:p>
             <a:fld id="{E80C50CD-E178-4744-9B35-B2F624D6C5E9}" type="datetimeFigureOut">
               <a:rPr lang="en-US" smtClean="0"/>
-              <a:t>6/6/25</a:t>
+              <a:t>6/9/25</a:t>
             </a:fld>
             <a:endParaRPr lang="en-US"/>
           </a:p>
@@ -2079,7 +2083,7 @@
           <a:p>
             <a:fld id="{E80C50CD-E178-4744-9B35-B2F624D6C5E9}" type="datetimeFigureOut">
               <a:rPr lang="en-US" smtClean="0"/>
-              <a:t>6/6/25</a:t>
+              <a:t>6/9/25</a:t>
             </a:fld>
             <a:endParaRPr lang="en-US"/>
           </a:p>
@@ -2220,7 +2224,7 @@
           <a:p>
             <a:fld id="{E80C50CD-E178-4744-9B35-B2F624D6C5E9}" type="datetimeFigureOut">
               <a:rPr lang="en-US" smtClean="0"/>
-              <a:t>6/6/25</a:t>
+              <a:t>6/9/25</a:t>
             </a:fld>
             <a:endParaRPr lang="en-US"/>
           </a:p>
@@ -2333,7 +2337,7 @@
           <a:p>
             <a:fld id="{E80C50CD-E178-4744-9B35-B2F624D6C5E9}" type="datetimeFigureOut">
               <a:rPr lang="en-US" smtClean="0"/>
-              <a:t>6/6/25</a:t>
+              <a:t>6/9/25</a:t>
             </a:fld>
             <a:endParaRPr lang="en-US"/>
           </a:p>
@@ -2650,7 +2654,7 @@
           <a:p>
             <a:fld id="{E80C50CD-E178-4744-9B35-B2F624D6C5E9}" type="datetimeFigureOut">
               <a:rPr lang="en-US" smtClean="0"/>
-              <a:t>6/6/25</a:t>
+              <a:t>6/9/25</a:t>
             </a:fld>
             <a:endParaRPr lang="en-US"/>
           </a:p>
@@ -2942,7 +2946,7 @@
           <a:p>
             <a:fld id="{E80C50CD-E178-4744-9B35-B2F624D6C5E9}" type="datetimeFigureOut">
               <a:rPr lang="en-US" smtClean="0"/>
-              <a:t>6/6/25</a:t>
+              <a:t>6/9/25</a:t>
             </a:fld>
             <a:endParaRPr lang="en-US"/>
           </a:p>
@@ -3182,7 +3186,7 @@
             <a:fld id="{E80C50CD-E178-4744-9B35-B2F624D6C5E9}" type="datetimeFigureOut">
               <a:rPr lang="en-US" smtClean="0"/>
               <a:pPr/>
-              <a:t>6/6/25</a:t>
+              <a:t>6/9/25</a:t>
             </a:fld>
             <a:endParaRPr lang="en-US"/>
           </a:p>
@@ -5378,440 +5382,6 @@
           <a:chExt cx="0" cy="0"/>
         </a:xfrm>
       </p:grpSpPr>
-      <p:sp>
-        <p:nvSpPr>
-          <p:cNvPr id="603" name="TextShape 1"/>
-          <p:cNvSpPr txBox="1"/>
-          <p:nvPr/>
-        </p:nvSpPr>
-        <p:spPr>
-          <a:xfrm>
-            <a:off x="1855920" y="572040"/>
-            <a:ext cx="8479800" cy="1142640"/>
-          </a:xfrm>
-          <a:prstGeom prst="rect">
-            <a:avLst/>
-          </a:prstGeom>
-          <a:noFill/>
-          <a:ln>
-            <a:noFill/>
-          </a:ln>
-        </p:spPr>
-        <p:txBody>
-          <a:bodyPr anchor="ctr">
-            <a:normAutofit/>
-          </a:bodyPr>
-          <a:lstStyle/>
-          <a:p>
-            <a:pPr algn="ctr">
-              <a:lnSpc>
-                <a:spcPct val="100000"/>
-              </a:lnSpc>
-            </a:pPr>
-            <a:r>
-              <a:rPr lang="en-GB" sz="4400" b="1" spc="-1" dirty="0">
-                <a:solidFill>
-                  <a:srgbClr val="000000"/>
-                </a:solidFill>
-                <a:latin typeface="Calibri"/>
-              </a:rPr>
-              <a:t>Reshaping data with </a:t>
-            </a:r>
-            <a:r>
-              <a:rPr lang="en-GB" sz="4400" b="1" spc="-1" dirty="0" err="1">
-                <a:solidFill>
-                  <a:srgbClr val="000000"/>
-                </a:solidFill>
-                <a:latin typeface="Calibri"/>
-              </a:rPr>
-              <a:t>tidyr</a:t>
-            </a:r>
-            <a:endParaRPr lang="en-US" sz="4400" spc="-1" dirty="0">
-              <a:solidFill>
-                <a:srgbClr val="000000"/>
-              </a:solidFill>
-              <a:latin typeface="Calibri"/>
-            </a:endParaRPr>
-          </a:p>
-        </p:txBody>
-      </p:sp>
-      <p:sp>
-        <p:nvSpPr>
-          <p:cNvPr id="605" name="CustomShape 3"/>
-          <p:cNvSpPr/>
-          <p:nvPr/>
-        </p:nvSpPr>
-        <p:spPr>
-          <a:xfrm>
-            <a:off x="6431160" y="2386080"/>
-            <a:ext cx="2742840" cy="923330"/>
-          </a:xfrm>
-          <a:prstGeom prst="rect">
-            <a:avLst/>
-          </a:prstGeom>
-          <a:noFill/>
-          <a:ln>
-            <a:noFill/>
-          </a:ln>
-        </p:spPr>
-        <p:style>
-          <a:lnRef idx="0">
-            <a:scrgbClr r="0" g="0" b="0"/>
-          </a:lnRef>
-          <a:fillRef idx="0">
-            <a:scrgbClr r="0" g="0" b="0"/>
-          </a:fillRef>
-          <a:effectRef idx="0">
-            <a:scrgbClr r="0" g="0" b="0"/>
-          </a:effectRef>
-          <a:fontRef idx="minor"/>
-        </p:style>
-        <p:txBody>
-          <a:bodyPr>
-            <a:spAutoFit/>
-          </a:bodyPr>
-          <a:lstStyle/>
-          <a:p>
-            <a:pPr>
-              <a:lnSpc>
-                <a:spcPct val="100000"/>
-              </a:lnSpc>
-            </a:pPr>
-            <a:r>
-              <a:rPr lang="en-GB" spc="-1" dirty="0">
-                <a:solidFill>
-                  <a:srgbClr val="000000"/>
-                </a:solidFill>
-                <a:latin typeface="Calibri"/>
-              </a:rPr>
-              <a:t>Wide-to-long format:</a:t>
-            </a:r>
-          </a:p>
-          <a:p>
-            <a:r>
-              <a:rPr lang="en-GB" dirty="0"/>
-              <a:t>Gather columns into key-value pairs</a:t>
-            </a:r>
-          </a:p>
-        </p:txBody>
-      </p:sp>
-      <p:sp>
-        <p:nvSpPr>
-          <p:cNvPr id="606" name="CustomShape 4"/>
-          <p:cNvSpPr/>
-          <p:nvPr/>
-        </p:nvSpPr>
-        <p:spPr>
-          <a:xfrm>
-            <a:off x="6337200" y="4288680"/>
-            <a:ext cx="2742840" cy="923330"/>
-          </a:xfrm>
-          <a:prstGeom prst="rect">
-            <a:avLst/>
-          </a:prstGeom>
-          <a:noFill/>
-          <a:ln>
-            <a:noFill/>
-          </a:ln>
-        </p:spPr>
-        <p:style>
-          <a:lnRef idx="0">
-            <a:scrgbClr r="0" g="0" b="0"/>
-          </a:lnRef>
-          <a:fillRef idx="0">
-            <a:scrgbClr r="0" g="0" b="0"/>
-          </a:fillRef>
-          <a:effectRef idx="0">
-            <a:scrgbClr r="0" g="0" b="0"/>
-          </a:effectRef>
-          <a:fontRef idx="minor"/>
-        </p:style>
-        <p:txBody>
-          <a:bodyPr>
-            <a:spAutoFit/>
-          </a:bodyPr>
-          <a:lstStyle/>
-          <a:p>
-            <a:pPr>
-              <a:lnSpc>
-                <a:spcPct val="100000"/>
-              </a:lnSpc>
-            </a:pPr>
-            <a:r>
-              <a:rPr lang="en-GB" spc="-1" dirty="0">
-                <a:solidFill>
-                  <a:srgbClr val="000000"/>
-                </a:solidFill>
-                <a:latin typeface="Calibri"/>
-              </a:rPr>
-              <a:t> Long-to-wide format:</a:t>
-            </a:r>
-          </a:p>
-          <a:p>
-            <a:r>
-              <a:rPr lang="en-GB" dirty="0"/>
-              <a:t>Spread a key-value pair across multiple columns</a:t>
-            </a:r>
-          </a:p>
-        </p:txBody>
-      </p:sp>
-      <p:sp>
-        <p:nvSpPr>
-          <p:cNvPr id="15" name="TextBox 14">
-            <a:extLst>
-              <a:ext uri="{FF2B5EF4-FFF2-40B4-BE49-F238E27FC236}">
-                <a16:creationId xmlns:a16="http://schemas.microsoft.com/office/drawing/2014/main" id="{3C1FF1C0-4A46-3249-93AD-D48E8A586F40}"/>
-              </a:ext>
-            </a:extLst>
-          </p:cNvPr>
-          <p:cNvSpPr txBox="1"/>
-          <p:nvPr/>
-        </p:nvSpPr>
-        <p:spPr>
-          <a:xfrm>
-            <a:off x="2031240" y="2241769"/>
-            <a:ext cx="4399920" cy="646331"/>
-          </a:xfrm>
-          <a:prstGeom prst="rect">
-            <a:avLst/>
-          </a:prstGeom>
-          <a:noFill/>
-        </p:spPr>
-        <p:txBody>
-          <a:bodyPr wrap="square">
-            <a:spAutoFit/>
-          </a:bodyPr>
-          <a:lstStyle/>
-          <a:p>
-            <a:r>
-              <a:rPr lang="en-GB" b="1" dirty="0">
-                <a:solidFill>
-                  <a:srgbClr val="FF0000"/>
-                </a:solidFill>
-              </a:rPr>
-              <a:t>gather</a:t>
-            </a:r>
-            <a:r>
-              <a:rPr lang="en-GB" dirty="0"/>
-              <a:t>(data, key = "key", value = "value", ..., </a:t>
-            </a:r>
-            <a:r>
-              <a:rPr lang="en-GB" dirty="0" err="1"/>
-              <a:t>na.rm</a:t>
-            </a:r>
-            <a:r>
-              <a:rPr lang="en-GB" dirty="0"/>
-              <a:t> = FALSE)</a:t>
-            </a:r>
-            <a:endParaRPr lang="en-US" dirty="0"/>
-          </a:p>
-        </p:txBody>
-      </p:sp>
-      <p:sp>
-        <p:nvSpPr>
-          <p:cNvPr id="17" name="TextBox 16">
-            <a:extLst>
-              <a:ext uri="{FF2B5EF4-FFF2-40B4-BE49-F238E27FC236}">
-                <a16:creationId xmlns:a16="http://schemas.microsoft.com/office/drawing/2014/main" id="{A38EF18B-5BC4-EB4D-AB7E-8E449A8FD298}"/>
-              </a:ext>
-            </a:extLst>
-          </p:cNvPr>
-          <p:cNvSpPr txBox="1"/>
-          <p:nvPr/>
-        </p:nvSpPr>
-        <p:spPr>
-          <a:xfrm>
-            <a:off x="9481380" y="5893135"/>
-            <a:ext cx="2866571" cy="366120"/>
-          </a:xfrm>
-          <a:prstGeom prst="rect">
-            <a:avLst/>
-          </a:prstGeom>
-          <a:noFill/>
-        </p:spPr>
-        <p:txBody>
-          <a:bodyPr wrap="square">
-            <a:spAutoFit/>
-          </a:bodyPr>
-          <a:lstStyle/>
-          <a:p>
-            <a:pPr>
-              <a:lnSpc>
-                <a:spcPct val="100000"/>
-              </a:lnSpc>
-            </a:pPr>
-            <a:r>
-              <a:rPr lang="en-GB" b="1" spc="-1" dirty="0" err="1">
-                <a:solidFill>
-                  <a:srgbClr val="000000"/>
-                </a:solidFill>
-                <a:latin typeface="Calibri"/>
-              </a:rPr>
-              <a:t>tidyr</a:t>
-            </a:r>
-            <a:r>
-              <a:rPr lang="en-GB" spc="-1" dirty="0">
-                <a:solidFill>
-                  <a:srgbClr val="000000"/>
-                </a:solidFill>
-                <a:latin typeface="Calibri"/>
-              </a:rPr>
-              <a:t> is a part of </a:t>
-            </a:r>
-            <a:r>
-              <a:rPr lang="en-GB" spc="-1" dirty="0" err="1">
-                <a:solidFill>
-                  <a:srgbClr val="000000"/>
-                </a:solidFill>
-                <a:latin typeface="Calibri"/>
-              </a:rPr>
-              <a:t>Tidyverse</a:t>
-            </a:r>
-            <a:r>
-              <a:rPr lang="en-GB" spc="-1" dirty="0">
-                <a:solidFill>
-                  <a:srgbClr val="000000"/>
-                </a:solidFill>
-                <a:latin typeface="Calibri"/>
-              </a:rPr>
-              <a:t> </a:t>
-            </a:r>
-            <a:endParaRPr lang="en-GB" spc="-1" dirty="0">
-              <a:latin typeface="Arial"/>
-            </a:endParaRPr>
-          </a:p>
-        </p:txBody>
-      </p:sp>
-      <p:sp>
-        <p:nvSpPr>
-          <p:cNvPr id="19" name="TextBox 18">
-            <a:extLst>
-              <a:ext uri="{FF2B5EF4-FFF2-40B4-BE49-F238E27FC236}">
-                <a16:creationId xmlns:a16="http://schemas.microsoft.com/office/drawing/2014/main" id="{BFBBBC1E-ABC8-9B49-95CE-A07D1C3D6F71}"/>
-              </a:ext>
-            </a:extLst>
-          </p:cNvPr>
-          <p:cNvSpPr txBox="1"/>
-          <p:nvPr/>
-        </p:nvSpPr>
-        <p:spPr>
-          <a:xfrm>
-            <a:off x="2031241" y="4381013"/>
-            <a:ext cx="3121331" cy="369332"/>
-          </a:xfrm>
-          <a:prstGeom prst="rect">
-            <a:avLst/>
-          </a:prstGeom>
-          <a:noFill/>
-        </p:spPr>
-        <p:txBody>
-          <a:bodyPr wrap="square">
-            <a:spAutoFit/>
-          </a:bodyPr>
-          <a:lstStyle/>
-          <a:p>
-            <a:r>
-              <a:rPr lang="en-GB" b="1" dirty="0">
-                <a:solidFill>
-                  <a:srgbClr val="0070C0"/>
-                </a:solidFill>
-              </a:rPr>
-              <a:t>spread</a:t>
-            </a:r>
-            <a:r>
-              <a:rPr lang="en-GB" dirty="0"/>
-              <a:t>(data, key, value)</a:t>
-            </a:r>
-            <a:endParaRPr lang="en-US" dirty="0"/>
-          </a:p>
-        </p:txBody>
-      </p:sp>
-    </p:spTree>
-  </p:cSld>
-  <p:clrMapOvr>
-    <a:masterClrMapping/>
-  </p:clrMapOvr>
-  <mc:AlternateContent xmlns:mc="http://schemas.openxmlformats.org/markup-compatibility/2006" xmlns:p14="http://schemas.microsoft.com/office/powerpoint/2010/main">
-    <mc:Choice Requires="p14">
-      <p:transition spd="med" p14:dur="700">
-        <p:fade/>
-      </p:transition>
-    </mc:Choice>
-    <mc:Fallback xmlns="">
-      <p:transition spd="med">
-        <p:fade/>
-      </p:transition>
-    </mc:Fallback>
-  </mc:AlternateContent>
-</p:sld>
-</file>
-
-<file path=ppt/slides/slide14.xml><?xml version="1.0" encoding="utf-8"?>
-<p:sld xmlns:a="http://schemas.openxmlformats.org/drawingml/2006/main" xmlns:r="http://schemas.openxmlformats.org/officeDocument/2006/relationships" xmlns:p="http://schemas.openxmlformats.org/presentationml/2006/main">
-  <p:cSld>
-    <p:spTree>
-      <p:nvGrpSpPr>
-        <p:cNvPr id="1" name=""/>
-        <p:cNvGrpSpPr/>
-        <p:nvPr/>
-      </p:nvGrpSpPr>
-      <p:grpSpPr>
-        <a:xfrm>
-          <a:off x="0" y="0"/>
-          <a:ext cx="0" cy="0"/>
-          <a:chOff x="0" y="0"/>
-          <a:chExt cx="0" cy="0"/>
-        </a:xfrm>
-      </p:grpSpPr>
-      <p:sp>
-        <p:nvSpPr>
-          <p:cNvPr id="238" name="TextShape 1"/>
-          <p:cNvSpPr txBox="1"/>
-          <p:nvPr/>
-        </p:nvSpPr>
-        <p:spPr>
-          <a:xfrm>
-            <a:off x="1981200" y="684000"/>
-            <a:ext cx="8228520" cy="1144440"/>
-          </a:xfrm>
-          <a:prstGeom prst="rect">
-            <a:avLst/>
-          </a:prstGeom>
-          <a:noFill/>
-          <a:ln>
-            <a:noFill/>
-          </a:ln>
-        </p:spPr>
-        <p:txBody>
-          <a:bodyPr lIns="0" tIns="0" rIns="0" bIns="0" anchor="ctr">
-            <a:noAutofit/>
-          </a:bodyPr>
-          <a:lstStyle/>
-          <a:p>
-            <a:pPr algn="ctr">
-              <a:lnSpc>
-                <a:spcPct val="100000"/>
-              </a:lnSpc>
-            </a:pPr>
-            <a:r>
-              <a:rPr lang="en-GB" sz="4400" b="1" spc="-1">
-                <a:solidFill>
-                  <a:srgbClr val="000000"/>
-                </a:solidFill>
-                <a:latin typeface="Calibri"/>
-                <a:ea typeface="Calibri"/>
-              </a:rPr>
-              <a:t>Reshaping data</a:t>
-            </a:r>
-            <a:endParaRPr lang="en-US" sz="4400" spc="-1">
-              <a:solidFill>
-                <a:srgbClr val="000000"/>
-              </a:solidFill>
-              <a:latin typeface="Calibri"/>
-            </a:endParaRPr>
-          </a:p>
-        </p:txBody>
-      </p:sp>
       <p:pic>
         <p:nvPicPr>
           <p:cNvPr id="239" name="Picture 4" descr="Table&#10;&#10;Description automatically generated"/>
@@ -5825,7 +5395,7 @@
         </p:blipFill>
         <p:spPr>
           <a:xfrm>
-            <a:off x="1984440" y="2602685"/>
+            <a:off x="1984440" y="2691893"/>
             <a:ext cx="8035200" cy="2023430"/>
           </a:xfrm>
           <a:prstGeom prst="rect">
@@ -5844,7 +5414,7 @@
         </p:nvSpPr>
         <p:spPr>
           <a:xfrm>
-            <a:off x="2109720" y="5400360"/>
+            <a:off x="2664084" y="6192108"/>
             <a:ext cx="5889960" cy="366120"/>
           </a:xfrm>
           <a:prstGeom prst="rect">
@@ -5907,8 +5477,8 @@
         </p:nvSpPr>
         <p:spPr>
           <a:xfrm>
-            <a:off x="3599760" y="1956355"/>
-            <a:ext cx="4399920" cy="646331"/>
+            <a:off x="1002149" y="2287841"/>
+            <a:ext cx="9333571" cy="369332"/>
           </a:xfrm>
           <a:prstGeom prst="rect">
             <a:avLst/>
@@ -5922,24 +5492,68 @@
           <a:lstStyle/>
           <a:p>
             <a:r>
+              <a:rPr lang="en-GB" b="1" dirty="0" err="1">
+                <a:solidFill>
+                  <a:srgbClr val="FF0000"/>
+                </a:solidFill>
+              </a:rPr>
+              <a:t>pivot_longer</a:t>
+            </a:r>
+            <a:r>
               <a:rPr lang="en-GB" b="1" dirty="0">
                 <a:solidFill>
                   <a:srgbClr val="FF0000"/>
                 </a:solidFill>
               </a:rPr>
-              <a:t>gather</a:t>
-            </a:r>
-            <a:r>
-              <a:rPr lang="en-GB" dirty="0"/>
-              <a:t>(data=</a:t>
-            </a:r>
-            <a:r>
-              <a:rPr lang="en-GB" dirty="0" err="1"/>
+              <a:t>(data = </a:t>
+            </a:r>
+            <a:r>
+              <a:rPr lang="en-GB" b="1" dirty="0" err="1">
+                <a:solidFill>
+                  <a:srgbClr val="FF0000"/>
+                </a:solidFill>
+              </a:rPr>
               <a:t>chrData</a:t>
             </a:r>
             <a:r>
-              <a:rPr lang="en-GB" dirty="0"/>
-              <a:t>, key = ”variable", value = "value", -region)</a:t>
+              <a:rPr lang="en-GB" b="1" dirty="0">
+                <a:solidFill>
+                  <a:srgbClr val="FF0000"/>
+                </a:solidFill>
+              </a:rPr>
+              <a:t>, cols = -region, </a:t>
+            </a:r>
+            <a:r>
+              <a:rPr lang="en-GB" b="1" dirty="0" err="1">
+                <a:solidFill>
+                  <a:srgbClr val="FF0000"/>
+                </a:solidFill>
+              </a:rPr>
+              <a:t>names_to</a:t>
+            </a:r>
+            <a:r>
+              <a:rPr lang="en-GB" b="1" dirty="0">
+                <a:solidFill>
+                  <a:srgbClr val="FF0000"/>
+                </a:solidFill>
+              </a:rPr>
+              <a:t> = "variable", </a:t>
+            </a:r>
+            <a:r>
+              <a:rPr lang="en-GB" b="1" dirty="0" err="1">
+                <a:solidFill>
+                  <a:srgbClr val="FF0000"/>
+                </a:solidFill>
+              </a:rPr>
+              <a:t>values_to</a:t>
+            </a:r>
+            <a:r>
+              <a:rPr lang="en-GB" b="1" dirty="0">
+                <a:solidFill>
+                  <a:srgbClr val="FF0000"/>
+                </a:solidFill>
+              </a:rPr>
+              <a:t> = "value")</a:t>
             </a:r>
             <a:endParaRPr lang="en-US" dirty="0"/>
           </a:p>
@@ -5959,8 +5573,8 @@
         </p:nvSpPr>
         <p:spPr>
           <a:xfrm>
-            <a:off x="3895500" y="4754029"/>
-            <a:ext cx="4399920" cy="369332"/>
+            <a:off x="1369164" y="5047048"/>
+            <a:ext cx="8479800" cy="369332"/>
           </a:xfrm>
           <a:prstGeom prst="rect">
             <a:avLst/>
@@ -5974,26 +5588,313 @@
           <a:lstStyle/>
           <a:p>
             <a:r>
+              <a:rPr lang="en-GB" b="1" dirty="0" err="1">
+                <a:solidFill>
+                  <a:srgbClr val="0070C0"/>
+                </a:solidFill>
+              </a:rPr>
+              <a:t>pivot_wider</a:t>
+            </a:r>
+            <a:r>
               <a:rPr lang="en-GB" b="1" dirty="0">
                 <a:solidFill>
                   <a:srgbClr val="0070C0"/>
                 </a:solidFill>
               </a:rPr>
-              <a:t>spread</a:t>
-            </a:r>
-            <a:r>
-              <a:rPr lang="en-GB" dirty="0"/>
-              <a:t>(data=</a:t>
-            </a:r>
-            <a:r>
-              <a:rPr lang="en-GB" dirty="0" err="1"/>
+              <a:t>(data = </a:t>
+            </a:r>
+            <a:r>
+              <a:rPr lang="en-GB" b="1" dirty="0" err="1">
+                <a:solidFill>
+                  <a:srgbClr val="0070C0"/>
+                </a:solidFill>
+              </a:rPr>
               <a:t>chrData</a:t>
             </a:r>
             <a:r>
-              <a:rPr lang="en-GB" dirty="0"/>
-              <a:t>, variable, value)</a:t>
+              <a:rPr lang="en-GB" b="1" dirty="0">
+                <a:solidFill>
+                  <a:srgbClr val="0070C0"/>
+                </a:solidFill>
+              </a:rPr>
+              <a:t>, </a:t>
+            </a:r>
+            <a:r>
+              <a:rPr lang="en-GB" b="1" dirty="0" err="1">
+                <a:solidFill>
+                  <a:srgbClr val="0070C0"/>
+                </a:solidFill>
+              </a:rPr>
+              <a:t>names_from</a:t>
+            </a:r>
+            <a:r>
+              <a:rPr lang="en-GB" b="1" dirty="0">
+                <a:solidFill>
+                  <a:srgbClr val="0070C0"/>
+                </a:solidFill>
+              </a:rPr>
+              <a:t> = variable, </a:t>
+            </a:r>
+            <a:r>
+              <a:rPr lang="en-GB" b="1" dirty="0" err="1">
+                <a:solidFill>
+                  <a:srgbClr val="0070C0"/>
+                </a:solidFill>
+              </a:rPr>
+              <a:t>values_from</a:t>
+            </a:r>
+            <a:r>
+              <a:rPr lang="en-GB" b="1" dirty="0">
+                <a:solidFill>
+                  <a:srgbClr val="0070C0"/>
+                </a:solidFill>
+              </a:rPr>
+              <a:t> = value)</a:t>
             </a:r>
             <a:endParaRPr lang="en-US" dirty="0"/>
+          </a:p>
+        </p:txBody>
+      </p:sp>
+      <p:sp>
+        <p:nvSpPr>
+          <p:cNvPr id="2" name="TextShape 1">
+            <a:extLst>
+              <a:ext uri="{FF2B5EF4-FFF2-40B4-BE49-F238E27FC236}">
+                <a16:creationId xmlns:a16="http://schemas.microsoft.com/office/drawing/2014/main" id="{FC7DD67E-ADC0-936D-BBEE-3D00E1BF3F0A}"/>
+              </a:ext>
+            </a:extLst>
+          </p:cNvPr>
+          <p:cNvSpPr txBox="1"/>
+          <p:nvPr/>
+        </p:nvSpPr>
+        <p:spPr>
+          <a:xfrm>
+            <a:off x="1855920" y="572040"/>
+            <a:ext cx="8479800" cy="1142640"/>
+          </a:xfrm>
+          <a:prstGeom prst="rect">
+            <a:avLst/>
+          </a:prstGeom>
+          <a:noFill/>
+          <a:ln>
+            <a:noFill/>
+          </a:ln>
+        </p:spPr>
+        <p:txBody>
+          <a:bodyPr anchor="ctr">
+            <a:normAutofit/>
+          </a:bodyPr>
+          <a:lstStyle/>
+          <a:p>
+            <a:pPr algn="ctr">
+              <a:lnSpc>
+                <a:spcPct val="100000"/>
+              </a:lnSpc>
+            </a:pPr>
+            <a:r>
+              <a:rPr lang="en-GB" sz="4400" b="1" spc="-1" dirty="0">
+                <a:solidFill>
+                  <a:srgbClr val="000000"/>
+                </a:solidFill>
+                <a:latin typeface="Calibri"/>
+              </a:rPr>
+              <a:t>Reshaping data with </a:t>
+            </a:r>
+            <a:r>
+              <a:rPr lang="en-GB" sz="4400" b="1" spc="-1" dirty="0" err="1">
+                <a:solidFill>
+                  <a:srgbClr val="000000"/>
+                </a:solidFill>
+                <a:latin typeface="Calibri"/>
+              </a:rPr>
+              <a:t>tidyr</a:t>
+            </a:r>
+            <a:endParaRPr lang="en-US" sz="4400" spc="-1" dirty="0">
+              <a:solidFill>
+                <a:srgbClr val="000000"/>
+              </a:solidFill>
+              <a:latin typeface="Calibri"/>
+            </a:endParaRPr>
+          </a:p>
+        </p:txBody>
+      </p:sp>
+      <p:sp>
+        <p:nvSpPr>
+          <p:cNvPr id="4" name="TextBox 3">
+            <a:extLst>
+              <a:ext uri="{FF2B5EF4-FFF2-40B4-BE49-F238E27FC236}">
+                <a16:creationId xmlns:a16="http://schemas.microsoft.com/office/drawing/2014/main" id="{19AF54D8-A052-76DC-866D-BF8FAEFC0D82}"/>
+              </a:ext>
+            </a:extLst>
+          </p:cNvPr>
+          <p:cNvSpPr txBox="1"/>
+          <p:nvPr/>
+        </p:nvSpPr>
+        <p:spPr>
+          <a:xfrm>
+            <a:off x="2559206" y="1818671"/>
+            <a:ext cx="6099716" cy="369332"/>
+          </a:xfrm>
+          <a:prstGeom prst="rect">
+            <a:avLst/>
+          </a:prstGeom>
+          <a:noFill/>
+        </p:spPr>
+        <p:txBody>
+          <a:bodyPr wrap="square">
+            <a:spAutoFit/>
+          </a:bodyPr>
+          <a:lstStyle/>
+          <a:p>
+            <a:pPr algn="ctr">
+              <a:lnSpc>
+                <a:spcPct val="100000"/>
+              </a:lnSpc>
+            </a:pPr>
+            <a:r>
+              <a:rPr lang="en-GB" spc="-1" dirty="0">
+                <a:solidFill>
+                  <a:srgbClr val="000000"/>
+                </a:solidFill>
+                <a:latin typeface="Calibri"/>
+              </a:rPr>
+              <a:t>Wide-to-long format:</a:t>
+            </a:r>
+          </a:p>
+        </p:txBody>
+      </p:sp>
+      <p:sp>
+        <p:nvSpPr>
+          <p:cNvPr id="5" name="CustomShape 4">
+            <a:extLst>
+              <a:ext uri="{FF2B5EF4-FFF2-40B4-BE49-F238E27FC236}">
+                <a16:creationId xmlns:a16="http://schemas.microsoft.com/office/drawing/2014/main" id="{223C68D5-330D-B127-9F9D-2522A1FD36B0}"/>
+              </a:ext>
+            </a:extLst>
+          </p:cNvPr>
+          <p:cNvSpPr/>
+          <p:nvPr/>
+        </p:nvSpPr>
+        <p:spPr>
+          <a:xfrm>
+            <a:off x="2864468" y="4653749"/>
+            <a:ext cx="5489192" cy="369332"/>
+          </a:xfrm>
+          <a:prstGeom prst="rect">
+            <a:avLst/>
+          </a:prstGeom>
+          <a:noFill/>
+          <a:ln>
+            <a:noFill/>
+          </a:ln>
+        </p:spPr>
+        <p:style>
+          <a:lnRef idx="0">
+            <a:scrgbClr r="0" g="0" b="0"/>
+          </a:lnRef>
+          <a:fillRef idx="0">
+            <a:scrgbClr r="0" g="0" b="0"/>
+          </a:fillRef>
+          <a:effectRef idx="0">
+            <a:scrgbClr r="0" g="0" b="0"/>
+          </a:effectRef>
+          <a:fontRef idx="minor"/>
+        </p:style>
+        <p:txBody>
+          <a:bodyPr wrap="square">
+            <a:spAutoFit/>
+          </a:bodyPr>
+          <a:lstStyle/>
+          <a:p>
+            <a:pPr algn="ctr">
+              <a:lnSpc>
+                <a:spcPct val="100000"/>
+              </a:lnSpc>
+            </a:pPr>
+            <a:r>
+              <a:rPr lang="en-GB" spc="-1" dirty="0">
+                <a:solidFill>
+                  <a:srgbClr val="000000"/>
+                </a:solidFill>
+                <a:latin typeface="Calibri"/>
+              </a:rPr>
+              <a:t> Long-to-wide format:</a:t>
+            </a:r>
+          </a:p>
+        </p:txBody>
+      </p:sp>
+      <p:sp>
+        <p:nvSpPr>
+          <p:cNvPr id="8" name="TextBox 7">
+            <a:extLst>
+              <a:ext uri="{FF2B5EF4-FFF2-40B4-BE49-F238E27FC236}">
+                <a16:creationId xmlns:a16="http://schemas.microsoft.com/office/drawing/2014/main" id="{37D7B618-A4AE-C679-20BE-0D701C1A95A2}"/>
+              </a:ext>
+            </a:extLst>
+          </p:cNvPr>
+          <p:cNvSpPr txBox="1"/>
+          <p:nvPr/>
+        </p:nvSpPr>
+        <p:spPr>
+          <a:xfrm>
+            <a:off x="9481380" y="5893135"/>
+            <a:ext cx="2866571" cy="366120"/>
+          </a:xfrm>
+          <a:prstGeom prst="rect">
+            <a:avLst/>
+          </a:prstGeom>
+          <a:noFill/>
+        </p:spPr>
+        <p:txBody>
+          <a:bodyPr wrap="square">
+            <a:spAutoFit/>
+          </a:bodyPr>
+          <a:lstStyle/>
+          <a:p>
+            <a:pPr>
+              <a:lnSpc>
+                <a:spcPct val="100000"/>
+              </a:lnSpc>
+            </a:pPr>
+            <a:r>
+              <a:rPr lang="en-GB" b="1" spc="-1" dirty="0" err="1">
+                <a:solidFill>
+                  <a:srgbClr val="000000"/>
+                </a:solidFill>
+                <a:latin typeface="Calibri"/>
+              </a:rPr>
+              <a:t>tidyr</a:t>
+            </a:r>
+            <a:r>
+              <a:rPr lang="en-GB" spc="-1" dirty="0">
+                <a:solidFill>
+                  <a:srgbClr val="000000"/>
+                </a:solidFill>
+                <a:latin typeface="Calibri"/>
+              </a:rPr>
+              <a:t> is a part of </a:t>
+            </a:r>
+            <a:r>
+              <a:rPr lang="en-GB" spc="-1" dirty="0" err="1">
+                <a:solidFill>
+                  <a:srgbClr val="000000"/>
+                </a:solidFill>
+                <a:latin typeface="Calibri"/>
+              </a:rPr>
+              <a:t>Tidyverse</a:t>
+            </a:r>
+            <a:r>
+              <a:rPr lang="en-GB" spc="-1" dirty="0">
+                <a:solidFill>
+                  <a:srgbClr val="000000"/>
+                </a:solidFill>
+                <a:latin typeface="Calibri"/>
+              </a:rPr>
+              <a:t> </a:t>
+            </a:r>
+            <a:endParaRPr lang="en-GB" spc="-1" dirty="0">
+              <a:latin typeface="Arial"/>
+            </a:endParaRPr>
           </a:p>
         </p:txBody>
       </p:sp>
@@ -6017,7 +5918,7 @@
 </p:sld>
 </file>
 
-<file path=ppt/slides/slide15.xml><?xml version="1.0" encoding="utf-8"?>
+<file path=ppt/slides/slide14.xml><?xml version="1.0" encoding="utf-8"?>
 <p:sld xmlns:a="http://schemas.openxmlformats.org/drawingml/2006/main" xmlns:r="http://schemas.openxmlformats.org/officeDocument/2006/relationships" xmlns:p="http://schemas.openxmlformats.org/presentationml/2006/main">
   <p:cSld>
     <p:spTree>
@@ -6532,7 +6433,7 @@
 </p:sld>
 </file>
 
-<file path=ppt/slides/slide16.xml><?xml version="1.0" encoding="utf-8"?>
+<file path=ppt/slides/slide15.xml><?xml version="1.0" encoding="utf-8"?>
 <p:sld xmlns:a="http://schemas.openxmlformats.org/drawingml/2006/main" xmlns:r="http://schemas.openxmlformats.org/officeDocument/2006/relationships" xmlns:p="http://schemas.openxmlformats.org/presentationml/2006/main">
   <p:cSld>
     <p:spTree>
@@ -7291,7 +7192,7 @@
 </p:sld>
 </file>
 
-<file path=ppt/slides/slide17.xml><?xml version="1.0" encoding="utf-8"?>
+<file path=ppt/slides/slide16.xml><?xml version="1.0" encoding="utf-8"?>
 <p:sld xmlns:a="http://schemas.openxmlformats.org/drawingml/2006/main" xmlns:r="http://schemas.openxmlformats.org/officeDocument/2006/relationships" xmlns:p="http://schemas.openxmlformats.org/presentationml/2006/main">
   <p:cSld>
     <p:spTree>
@@ -7620,7 +7521,7 @@
 </p:sld>
 </file>
 
-<file path=ppt/slides/slide18.xml><?xml version="1.0" encoding="utf-8"?>
+<file path=ppt/slides/slide17.xml><?xml version="1.0" encoding="utf-8"?>
 <p:sld xmlns:a="http://schemas.openxmlformats.org/drawingml/2006/main" xmlns:r="http://schemas.openxmlformats.org/officeDocument/2006/relationships" xmlns:p="http://schemas.openxmlformats.org/presentationml/2006/main">
   <p:cSld>
     <p:spTree>
@@ -8379,7 +8280,7 @@
 </p:sld>
 </file>
 
-<file path=ppt/slides/slide19.xml><?xml version="1.0" encoding="utf-8"?>
+<file path=ppt/slides/slide18.xml><?xml version="1.0" encoding="utf-8"?>
 <p:sld xmlns:a="http://schemas.openxmlformats.org/drawingml/2006/main" xmlns:r="http://schemas.openxmlformats.org/officeDocument/2006/relationships" xmlns:p="http://schemas.openxmlformats.org/presentationml/2006/main">
   <p:cSld>
     <p:spTree>
@@ -8994,577 +8895,7 @@
 </p:sld>
 </file>
 
-<file path=ppt/slides/slide2.xml><?xml version="1.0" encoding="utf-8"?>
-<p:sld xmlns:a="http://schemas.openxmlformats.org/drawingml/2006/main" xmlns:r="http://schemas.openxmlformats.org/officeDocument/2006/relationships" xmlns:p="http://schemas.openxmlformats.org/presentationml/2006/main">
-  <p:cSld>
-    <p:spTree>
-      <p:nvGrpSpPr>
-        <p:cNvPr id="1" name=""/>
-        <p:cNvGrpSpPr/>
-        <p:nvPr/>
-      </p:nvGrpSpPr>
-      <p:grpSpPr>
-        <a:xfrm>
-          <a:off x="0" y="0"/>
-          <a:ext cx="0" cy="0"/>
-          <a:chOff x="0" y="0"/>
-          <a:chExt cx="0" cy="0"/>
-        </a:xfrm>
-      </p:grpSpPr>
-      <p:sp>
-        <p:nvSpPr>
-          <p:cNvPr id="2" name="CustomShape 2">
-            <a:extLst>
-              <a:ext uri="{FF2B5EF4-FFF2-40B4-BE49-F238E27FC236}">
-                <a16:creationId xmlns:a16="http://schemas.microsoft.com/office/drawing/2014/main" id="{F8D02884-8E2E-27CA-7DCD-6DCE968D87C7}"/>
-              </a:ext>
-            </a:extLst>
-          </p:cNvPr>
-          <p:cNvSpPr/>
-          <p:nvPr/>
-        </p:nvSpPr>
-        <p:spPr>
-          <a:xfrm>
-            <a:off x="1630497" y="1709928"/>
-            <a:ext cx="8619695" cy="4894920"/>
-          </a:xfrm>
-          <a:prstGeom prst="rect">
-            <a:avLst/>
-          </a:prstGeom>
-          <a:noFill/>
-          <a:ln>
-            <a:noFill/>
-          </a:ln>
-        </p:spPr>
-        <p:style>
-          <a:lnRef idx="0">
-            <a:scrgbClr r="0" g="0" b="0"/>
-          </a:lnRef>
-          <a:fillRef idx="0">
-            <a:scrgbClr r="0" g="0" b="0"/>
-          </a:fillRef>
-          <a:effectRef idx="0">
-            <a:scrgbClr r="0" g="0" b="0"/>
-          </a:effectRef>
-          <a:fontRef idx="minor"/>
-        </p:style>
-        <p:txBody>
-          <a:bodyPr lIns="82800" tIns="41400" rIns="82800" bIns="41400" anchor="ctr">
-            <a:normAutofit/>
-          </a:bodyPr>
-          <a:lstStyle/>
-          <a:p>
-            <a:pPr indent="-216000">
-              <a:lnSpc>
-                <a:spcPct val="100000"/>
-              </a:lnSpc>
-              <a:spcBef>
-                <a:spcPts val="320"/>
-              </a:spcBef>
-              <a:spcAft>
-                <a:spcPts val="544"/>
-              </a:spcAft>
-              <a:buClr>
-                <a:srgbClr val="000000"/>
-              </a:buClr>
-              <a:buSzPct val="80000"/>
-              <a:buFont typeface="Wingdings 3" charset="2"/>
-              <a:buChar char=""/>
-            </a:pPr>
-            <a:r>
-              <a:rPr lang="en-US" sz="1600" b="1" strike="noStrike" spc="-1" dirty="0">
-                <a:solidFill>
-                  <a:srgbClr val="000000"/>
-                </a:solidFill>
-                <a:latin typeface="Calibri"/>
-                <a:ea typeface="DejaVu Sans"/>
-              </a:rPr>
-              <a:t>Data </a:t>
-            </a:r>
-            <a:r>
-              <a:rPr lang="en-US" sz="1600" b="1" strike="noStrike" spc="-1" dirty="0" err="1">
-                <a:solidFill>
-                  <a:srgbClr val="000000"/>
-                </a:solidFill>
-                <a:latin typeface="Calibri"/>
-                <a:ea typeface="DejaVu Sans"/>
-              </a:rPr>
-              <a:t>Visualisation</a:t>
-            </a:r>
-            <a:endParaRPr lang="en-GB" sz="1600" b="0" strike="noStrike" spc="-1" dirty="0">
-              <a:latin typeface="Arial"/>
-            </a:endParaRPr>
-          </a:p>
-          <a:p>
-            <a:pPr marL="457200" lvl="1" indent="-216000">
-              <a:lnSpc>
-                <a:spcPct val="100000"/>
-              </a:lnSpc>
-              <a:spcBef>
-                <a:spcPts val="320"/>
-              </a:spcBef>
-              <a:spcAft>
-                <a:spcPts val="544"/>
-              </a:spcAft>
-              <a:buClr>
-                <a:srgbClr val="000000"/>
-              </a:buClr>
-              <a:buSzPct val="80000"/>
-              <a:buFont typeface="Wingdings 3" charset="2"/>
-              <a:buChar char=""/>
-            </a:pPr>
-            <a:r>
-              <a:rPr lang="en-US" sz="1600" b="0" strike="noStrike" spc="-1" dirty="0">
-                <a:solidFill>
-                  <a:srgbClr val="000000"/>
-                </a:solidFill>
-                <a:latin typeface="Calibri"/>
-                <a:ea typeface="DejaVu Sans"/>
-              </a:rPr>
-              <a:t>Intro to ggplot2</a:t>
-            </a:r>
-            <a:endParaRPr lang="en-GB" sz="1600" b="0" strike="noStrike" spc="-1" dirty="0">
-              <a:latin typeface="Arial"/>
-            </a:endParaRPr>
-          </a:p>
-          <a:p>
-            <a:pPr marL="457200" lvl="1" indent="-216000">
-              <a:lnSpc>
-                <a:spcPct val="100000"/>
-              </a:lnSpc>
-              <a:spcBef>
-                <a:spcPts val="320"/>
-              </a:spcBef>
-              <a:spcAft>
-                <a:spcPts val="544"/>
-              </a:spcAft>
-              <a:buClr>
-                <a:srgbClr val="000000"/>
-              </a:buClr>
-              <a:buSzPct val="80000"/>
-              <a:buFont typeface="Wingdings 3" charset="2"/>
-              <a:buChar char=""/>
-            </a:pPr>
-            <a:r>
-              <a:rPr lang="en-US" sz="1600" b="0" strike="noStrike" spc="-1" dirty="0">
-                <a:solidFill>
-                  <a:srgbClr val="000000"/>
-                </a:solidFill>
-                <a:latin typeface="Calibri"/>
-                <a:ea typeface="DejaVu Sans"/>
-              </a:rPr>
-              <a:t>Base R plotting vs ggplot2</a:t>
-            </a:r>
-            <a:endParaRPr lang="en-GB" sz="1600" b="0" strike="noStrike" spc="-1" dirty="0">
-              <a:latin typeface="Arial"/>
-            </a:endParaRPr>
-          </a:p>
-          <a:p>
-            <a:pPr marL="457200" lvl="1" indent="-216000">
-              <a:lnSpc>
-                <a:spcPct val="100000"/>
-              </a:lnSpc>
-              <a:spcBef>
-                <a:spcPts val="320"/>
-              </a:spcBef>
-              <a:spcAft>
-                <a:spcPts val="544"/>
-              </a:spcAft>
-              <a:buClr>
-                <a:srgbClr val="000000"/>
-              </a:buClr>
-              <a:buSzPct val="80000"/>
-              <a:buFont typeface="Wingdings 3" charset="2"/>
-              <a:buChar char=""/>
-            </a:pPr>
-            <a:r>
-              <a:rPr lang="en-US" sz="1600" b="0" strike="noStrike" spc="-1" dirty="0">
-                <a:solidFill>
-                  <a:srgbClr val="000000"/>
-                </a:solidFill>
-                <a:latin typeface="Calibri"/>
-                <a:ea typeface="DejaVu Sans"/>
-              </a:rPr>
-              <a:t>ggplot2 syntax</a:t>
-            </a:r>
-            <a:endParaRPr lang="en-GB" sz="1600" b="0" strike="noStrike" spc="-1" dirty="0">
-              <a:latin typeface="Arial"/>
-            </a:endParaRPr>
-          </a:p>
-          <a:p>
-            <a:pPr marL="457200" lvl="1" indent="-216000">
-              <a:lnSpc>
-                <a:spcPct val="100000"/>
-              </a:lnSpc>
-              <a:spcBef>
-                <a:spcPts val="320"/>
-              </a:spcBef>
-              <a:spcAft>
-                <a:spcPts val="544"/>
-              </a:spcAft>
-              <a:buClr>
-                <a:srgbClr val="000000"/>
-              </a:buClr>
-              <a:buSzPct val="80000"/>
-              <a:buFont typeface="Wingdings 3" charset="2"/>
-              <a:buChar char=""/>
-            </a:pPr>
-            <a:r>
-              <a:rPr lang="en-US" sz="1600" b="0" strike="noStrike" spc="-1" dirty="0">
-                <a:solidFill>
-                  <a:srgbClr val="000000"/>
-                </a:solidFill>
-                <a:latin typeface="Calibri"/>
-                <a:ea typeface="DejaVu Sans"/>
-              </a:rPr>
-              <a:t>Intro to factors</a:t>
-            </a:r>
-            <a:endParaRPr lang="en-GB" sz="1600" b="0" strike="noStrike" spc="-1" dirty="0">
-              <a:latin typeface="Arial"/>
-            </a:endParaRPr>
-          </a:p>
-          <a:p>
-            <a:pPr marL="457200" lvl="1" indent="-216000">
-              <a:lnSpc>
-                <a:spcPct val="100000"/>
-              </a:lnSpc>
-              <a:spcBef>
-                <a:spcPts val="320"/>
-              </a:spcBef>
-              <a:spcAft>
-                <a:spcPts val="544"/>
-              </a:spcAft>
-              <a:buClr>
-                <a:srgbClr val="000000"/>
-              </a:buClr>
-              <a:buSzPct val="80000"/>
-              <a:buFont typeface="Wingdings 3" charset="2"/>
-              <a:buChar char=""/>
-            </a:pPr>
-            <a:r>
-              <a:rPr lang="en-US" sz="1600" b="0" strike="noStrike" spc="-1" dirty="0">
-                <a:solidFill>
-                  <a:srgbClr val="000000"/>
-                </a:solidFill>
-                <a:latin typeface="Calibri"/>
-                <a:ea typeface="DejaVu Sans"/>
-              </a:rPr>
-              <a:t>Reshaping </a:t>
-            </a:r>
-            <a:r>
-              <a:rPr lang="en-US" sz="1600" b="0" strike="noStrike" spc="-1" dirty="0" err="1">
-                <a:solidFill>
-                  <a:srgbClr val="000000"/>
-                </a:solidFill>
-                <a:latin typeface="Calibri"/>
-                <a:ea typeface="DejaVu Sans"/>
-              </a:rPr>
-              <a:t>data.frames</a:t>
-            </a:r>
-            <a:endParaRPr lang="en-GB" sz="1600" b="0" strike="noStrike" spc="-1" dirty="0">
-              <a:latin typeface="Arial"/>
-            </a:endParaRPr>
-          </a:p>
-          <a:p>
-            <a:pPr marL="457200" lvl="1" indent="-216000">
-              <a:lnSpc>
-                <a:spcPct val="100000"/>
-              </a:lnSpc>
-              <a:spcBef>
-                <a:spcPts val="320"/>
-              </a:spcBef>
-              <a:spcAft>
-                <a:spcPts val="544"/>
-              </a:spcAft>
-              <a:buClr>
-                <a:srgbClr val="000000"/>
-              </a:buClr>
-              <a:buSzPct val="80000"/>
-              <a:buFont typeface="Wingdings 3" charset="2"/>
-              <a:buChar char=""/>
-            </a:pPr>
-            <a:r>
-              <a:rPr lang="en-US" sz="1600" b="0" strike="noStrike" spc="-1" dirty="0">
-                <a:solidFill>
-                  <a:srgbClr val="000000"/>
-                </a:solidFill>
-                <a:latin typeface="Calibri"/>
-                <a:ea typeface="DejaVu Sans"/>
-              </a:rPr>
-              <a:t>Plotting grouped data - Dot/box/bar plots</a:t>
-            </a:r>
-          </a:p>
-          <a:p>
-            <a:pPr marL="457200" lvl="1" indent="-216000">
-              <a:lnSpc>
-                <a:spcPct val="100000"/>
-              </a:lnSpc>
-              <a:spcBef>
-                <a:spcPts val="320"/>
-              </a:spcBef>
-              <a:spcAft>
-                <a:spcPts val="544"/>
-              </a:spcAft>
-              <a:buClr>
-                <a:srgbClr val="000000"/>
-              </a:buClr>
-              <a:buSzPct val="80000"/>
-              <a:buFont typeface="Wingdings 3" charset="2"/>
-              <a:buChar char=""/>
-            </a:pPr>
-            <a:r>
-              <a:rPr lang="en-US" sz="1600" spc="-1" dirty="0">
-                <a:solidFill>
-                  <a:srgbClr val="000000"/>
-                </a:solidFill>
-                <a:latin typeface="Calibri"/>
-              </a:rPr>
-              <a:t>Calculating and adding statistics to the plots</a:t>
-            </a:r>
-            <a:endParaRPr lang="en-GB" sz="1600" b="0" strike="noStrike" spc="-1" dirty="0">
-              <a:latin typeface="Arial"/>
-            </a:endParaRPr>
-          </a:p>
-          <a:p>
-            <a:pPr marL="457200" lvl="1" indent="-216000">
-              <a:lnSpc>
-                <a:spcPct val="100000"/>
-              </a:lnSpc>
-              <a:spcBef>
-                <a:spcPts val="320"/>
-              </a:spcBef>
-              <a:spcAft>
-                <a:spcPts val="544"/>
-              </a:spcAft>
-              <a:buClr>
-                <a:srgbClr val="000000"/>
-              </a:buClr>
-              <a:buSzPct val="80000"/>
-              <a:buFont typeface="Wingdings 3" charset="2"/>
-              <a:buChar char=""/>
-            </a:pPr>
-            <a:r>
-              <a:rPr lang="en-US" sz="1600" b="0" strike="noStrike" spc="-1" dirty="0" err="1">
-                <a:solidFill>
-                  <a:srgbClr val="000000"/>
-                </a:solidFill>
-                <a:latin typeface="Calibri"/>
-                <a:ea typeface="DejaVu Sans"/>
-              </a:rPr>
-              <a:t>Practical</a:t>
-            </a:r>
-            <a:r>
-              <a:rPr lang="en-US" sz="1600" spc="-1" dirty="0" err="1">
-                <a:solidFill>
-                  <a:srgbClr val="000000"/>
-                </a:solidFill>
-                <a:latin typeface="Calibri"/>
-                <a:ea typeface="DejaVu Sans"/>
-              </a:rPr>
-              <a:t>s</a:t>
-            </a:r>
-            <a:endParaRPr lang="en-GB" sz="1600" b="0" strike="noStrike" spc="-1" dirty="0">
-              <a:latin typeface="Arial"/>
-            </a:endParaRPr>
-          </a:p>
-          <a:p>
-            <a:pPr marL="914400" lvl="2" indent="-215640">
-              <a:lnSpc>
-                <a:spcPct val="100000"/>
-              </a:lnSpc>
-              <a:spcBef>
-                <a:spcPts val="320"/>
-              </a:spcBef>
-              <a:spcAft>
-                <a:spcPts val="544"/>
-              </a:spcAft>
-              <a:buClr>
-                <a:srgbClr val="000000"/>
-              </a:buClr>
-              <a:buSzPct val="80000"/>
-              <a:buFont typeface="Wingdings 3" charset="2"/>
-              <a:buChar char=""/>
-            </a:pPr>
-            <a:r>
-              <a:rPr lang="en-US" sz="1600" b="0" strike="noStrike" spc="-1" dirty="0">
-                <a:solidFill>
-                  <a:srgbClr val="000000"/>
-                </a:solidFill>
-                <a:latin typeface="Calibri"/>
-                <a:ea typeface="DejaVu Sans"/>
-              </a:rPr>
-              <a:t>OWID Covid data</a:t>
-            </a:r>
-          </a:p>
-          <a:p>
-            <a:pPr marL="914400" lvl="2" indent="-215640">
-              <a:lnSpc>
-                <a:spcPct val="100000"/>
-              </a:lnSpc>
-              <a:spcBef>
-                <a:spcPts val="320"/>
-              </a:spcBef>
-              <a:spcAft>
-                <a:spcPts val="544"/>
-              </a:spcAft>
-              <a:buClr>
-                <a:srgbClr val="000000"/>
-              </a:buClr>
-              <a:buSzPct val="80000"/>
-              <a:buFont typeface="Wingdings 3" charset="2"/>
-              <a:buChar char=""/>
-            </a:pPr>
-            <a:r>
-              <a:rPr lang="en-US" sz="1600" b="0" strike="noStrike" spc="-1" dirty="0">
-                <a:solidFill>
-                  <a:srgbClr val="000000"/>
-                </a:solidFill>
-                <a:latin typeface="Calibri"/>
-                <a:ea typeface="DejaVu Sans"/>
-              </a:rPr>
-              <a:t>Covid vaccine data</a:t>
-            </a:r>
-          </a:p>
-          <a:p>
-            <a:pPr indent="-215640">
-              <a:spcBef>
-                <a:spcPts val="320"/>
-              </a:spcBef>
-              <a:spcAft>
-                <a:spcPts val="544"/>
-              </a:spcAft>
-              <a:buClr>
-                <a:srgbClr val="000000"/>
-              </a:buClr>
-              <a:buSzPct val="80000"/>
-            </a:pPr>
-            <a:endParaRPr lang="en-US" sz="1600" spc="-1" dirty="0">
-              <a:solidFill>
-                <a:srgbClr val="000000"/>
-              </a:solidFill>
-              <a:latin typeface="Calibri"/>
-            </a:endParaRPr>
-          </a:p>
-          <a:p>
-            <a:pPr indent="-215640">
-              <a:spcBef>
-                <a:spcPts val="320"/>
-              </a:spcBef>
-              <a:spcAft>
-                <a:spcPts val="544"/>
-              </a:spcAft>
-              <a:buClr>
-                <a:srgbClr val="000000"/>
-              </a:buClr>
-              <a:buSzPct val="80000"/>
-            </a:pPr>
-            <a:r>
-              <a:rPr lang="en-US" sz="1600" b="0" strike="noStrike" spc="-1" dirty="0">
-                <a:solidFill>
-                  <a:srgbClr val="000000"/>
-                </a:solidFill>
-                <a:latin typeface="Calibri"/>
-              </a:rPr>
-              <a:t>GitHub repository: </a:t>
-            </a:r>
-            <a:r>
-              <a:rPr lang="en-US" sz="1600" b="0" strike="noStrike" spc="-1" dirty="0">
-                <a:solidFill>
-                  <a:srgbClr val="000000"/>
-                </a:solidFill>
-                <a:latin typeface="Calibri"/>
-                <a:hlinkClick r:id="rId2"/>
-              </a:rPr>
-              <a:t>https://github.com/Chelysheva/data_vis_ggplot2_June2025</a:t>
-            </a:r>
-            <a:r>
-              <a:rPr lang="en-US" sz="1600" b="0" strike="noStrike" spc="-1" dirty="0">
-                <a:solidFill>
-                  <a:srgbClr val="000000"/>
-                </a:solidFill>
-                <a:latin typeface="Calibri"/>
-              </a:rPr>
-              <a:t> </a:t>
-            </a:r>
-            <a:endParaRPr lang="en-GB" sz="1600" b="0" strike="noStrike" spc="-1" dirty="0">
-              <a:latin typeface="Arial"/>
-            </a:endParaRPr>
-          </a:p>
-        </p:txBody>
-      </p:sp>
-      <p:sp>
-        <p:nvSpPr>
-          <p:cNvPr id="3" name="Title 1">
-            <a:extLst>
-              <a:ext uri="{FF2B5EF4-FFF2-40B4-BE49-F238E27FC236}">
-                <a16:creationId xmlns:a16="http://schemas.microsoft.com/office/drawing/2014/main" id="{57A09486-736A-6764-EA03-4901C7983241}"/>
-              </a:ext>
-            </a:extLst>
-          </p:cNvPr>
-          <p:cNvSpPr txBox="1">
-            <a:spLocks/>
-          </p:cNvSpPr>
-          <p:nvPr/>
-        </p:nvSpPr>
-        <p:spPr>
-          <a:xfrm>
-            <a:off x="521208" y="978408"/>
-            <a:ext cx="11155680" cy="1463040"/>
-          </a:xfrm>
-          <a:prstGeom prst="rect">
-            <a:avLst/>
-          </a:prstGeom>
-        </p:spPr>
-        <p:txBody>
-          <a:bodyPr/>
-          <a:lstStyle>
-            <a:lvl1pPr algn="l" defTabSz="914400" rtl="0" eaLnBrk="1" latinLnBrk="0" hangingPunct="1">
-              <a:lnSpc>
-                <a:spcPct val="100000"/>
-              </a:lnSpc>
-              <a:spcBef>
-                <a:spcPct val="0"/>
-              </a:spcBef>
-              <a:buNone/>
-              <a:defRPr sz="4400" b="1" kern="1200">
-                <a:solidFill>
-                  <a:schemeClr val="tx1"/>
-                </a:solidFill>
-                <a:latin typeface="+mj-lt"/>
-                <a:ea typeface="+mj-ea"/>
-                <a:cs typeface="+mj-cs"/>
-              </a:defRPr>
-            </a:lvl1pPr>
-          </a:lstStyle>
-          <a:p>
-            <a:r>
-              <a:rPr lang="en-US">
-                <a:latin typeface="Calibri" panose="020F0502020204030204" pitchFamily="34" charset="0"/>
-                <a:cs typeface="Calibri" panose="020F0502020204030204" pitchFamily="34" charset="0"/>
-              </a:rPr>
-              <a:t>Today’s plan</a:t>
-            </a:r>
-            <a:endParaRPr lang="en-US" dirty="0">
-              <a:latin typeface="Calibri" panose="020F0502020204030204" pitchFamily="34" charset="0"/>
-              <a:cs typeface="Calibri" panose="020F0502020204030204" pitchFamily="34" charset="0"/>
-            </a:endParaRPr>
-          </a:p>
-        </p:txBody>
-      </p:sp>
-    </p:spTree>
-    <p:extLst>
-      <p:ext uri="{BB962C8B-B14F-4D97-AF65-F5344CB8AC3E}">
-        <p14:creationId xmlns:p14="http://schemas.microsoft.com/office/powerpoint/2010/main" val="415017106"/>
-      </p:ext>
-    </p:extLst>
-  </p:cSld>
-  <p:clrMapOvr>
-    <a:masterClrMapping/>
-  </p:clrMapOvr>
-</p:sld>
-</file>
-
-<file path=ppt/slides/slide20.xml><?xml version="1.0" encoding="utf-8"?>
+<file path=ppt/slides/slide19.xml><?xml version="1.0" encoding="utf-8"?>
 <p:sld xmlns:a="http://schemas.openxmlformats.org/drawingml/2006/main" xmlns:r="http://schemas.openxmlformats.org/officeDocument/2006/relationships" xmlns:p="http://schemas.openxmlformats.org/presentationml/2006/main">
   <p:cSld>
     <p:spTree>
@@ -10170,7 +9501,577 @@
 </p:sld>
 </file>
 
-<file path=ppt/slides/slide21.xml><?xml version="1.0" encoding="utf-8"?>
+<file path=ppt/slides/slide2.xml><?xml version="1.0" encoding="utf-8"?>
+<p:sld xmlns:a="http://schemas.openxmlformats.org/drawingml/2006/main" xmlns:r="http://schemas.openxmlformats.org/officeDocument/2006/relationships" xmlns:p="http://schemas.openxmlformats.org/presentationml/2006/main">
+  <p:cSld>
+    <p:spTree>
+      <p:nvGrpSpPr>
+        <p:cNvPr id="1" name=""/>
+        <p:cNvGrpSpPr/>
+        <p:nvPr/>
+      </p:nvGrpSpPr>
+      <p:grpSpPr>
+        <a:xfrm>
+          <a:off x="0" y="0"/>
+          <a:ext cx="0" cy="0"/>
+          <a:chOff x="0" y="0"/>
+          <a:chExt cx="0" cy="0"/>
+        </a:xfrm>
+      </p:grpSpPr>
+      <p:sp>
+        <p:nvSpPr>
+          <p:cNvPr id="2" name="CustomShape 2">
+            <a:extLst>
+              <a:ext uri="{FF2B5EF4-FFF2-40B4-BE49-F238E27FC236}">
+                <a16:creationId xmlns:a16="http://schemas.microsoft.com/office/drawing/2014/main" id="{F8D02884-8E2E-27CA-7DCD-6DCE968D87C7}"/>
+              </a:ext>
+            </a:extLst>
+          </p:cNvPr>
+          <p:cNvSpPr/>
+          <p:nvPr/>
+        </p:nvSpPr>
+        <p:spPr>
+          <a:xfrm>
+            <a:off x="1630497" y="1709928"/>
+            <a:ext cx="8619695" cy="4894920"/>
+          </a:xfrm>
+          <a:prstGeom prst="rect">
+            <a:avLst/>
+          </a:prstGeom>
+          <a:noFill/>
+          <a:ln>
+            <a:noFill/>
+          </a:ln>
+        </p:spPr>
+        <p:style>
+          <a:lnRef idx="0">
+            <a:scrgbClr r="0" g="0" b="0"/>
+          </a:lnRef>
+          <a:fillRef idx="0">
+            <a:scrgbClr r="0" g="0" b="0"/>
+          </a:fillRef>
+          <a:effectRef idx="0">
+            <a:scrgbClr r="0" g="0" b="0"/>
+          </a:effectRef>
+          <a:fontRef idx="minor"/>
+        </p:style>
+        <p:txBody>
+          <a:bodyPr lIns="82800" tIns="41400" rIns="82800" bIns="41400" anchor="ctr">
+            <a:normAutofit/>
+          </a:bodyPr>
+          <a:lstStyle/>
+          <a:p>
+            <a:pPr indent="-216000">
+              <a:lnSpc>
+                <a:spcPct val="100000"/>
+              </a:lnSpc>
+              <a:spcBef>
+                <a:spcPts val="320"/>
+              </a:spcBef>
+              <a:spcAft>
+                <a:spcPts val="544"/>
+              </a:spcAft>
+              <a:buClr>
+                <a:srgbClr val="000000"/>
+              </a:buClr>
+              <a:buSzPct val="80000"/>
+              <a:buFont typeface="Wingdings 3" charset="2"/>
+              <a:buChar char=""/>
+            </a:pPr>
+            <a:r>
+              <a:rPr lang="en-US" sz="1600" b="1" strike="noStrike" spc="-1" dirty="0">
+                <a:solidFill>
+                  <a:srgbClr val="000000"/>
+                </a:solidFill>
+                <a:latin typeface="Calibri"/>
+                <a:ea typeface="DejaVu Sans"/>
+              </a:rPr>
+              <a:t>Data </a:t>
+            </a:r>
+            <a:r>
+              <a:rPr lang="en-US" sz="1600" b="1" strike="noStrike" spc="-1" dirty="0" err="1">
+                <a:solidFill>
+                  <a:srgbClr val="000000"/>
+                </a:solidFill>
+                <a:latin typeface="Calibri"/>
+                <a:ea typeface="DejaVu Sans"/>
+              </a:rPr>
+              <a:t>Visualisation</a:t>
+            </a:r>
+            <a:endParaRPr lang="en-GB" sz="1600" b="0" strike="noStrike" spc="-1" dirty="0">
+              <a:latin typeface="Arial"/>
+            </a:endParaRPr>
+          </a:p>
+          <a:p>
+            <a:pPr marL="457200" lvl="1" indent="-216000">
+              <a:lnSpc>
+                <a:spcPct val="100000"/>
+              </a:lnSpc>
+              <a:spcBef>
+                <a:spcPts val="320"/>
+              </a:spcBef>
+              <a:spcAft>
+                <a:spcPts val="544"/>
+              </a:spcAft>
+              <a:buClr>
+                <a:srgbClr val="000000"/>
+              </a:buClr>
+              <a:buSzPct val="80000"/>
+              <a:buFont typeface="Wingdings 3" charset="2"/>
+              <a:buChar char=""/>
+            </a:pPr>
+            <a:r>
+              <a:rPr lang="en-US" sz="1600" b="0" strike="noStrike" spc="-1" dirty="0">
+                <a:solidFill>
+                  <a:srgbClr val="000000"/>
+                </a:solidFill>
+                <a:latin typeface="Calibri"/>
+                <a:ea typeface="DejaVu Sans"/>
+              </a:rPr>
+              <a:t>Intro to ggplot2</a:t>
+            </a:r>
+            <a:endParaRPr lang="en-GB" sz="1600" b="0" strike="noStrike" spc="-1" dirty="0">
+              <a:latin typeface="Arial"/>
+            </a:endParaRPr>
+          </a:p>
+          <a:p>
+            <a:pPr marL="457200" lvl="1" indent="-216000">
+              <a:lnSpc>
+                <a:spcPct val="100000"/>
+              </a:lnSpc>
+              <a:spcBef>
+                <a:spcPts val="320"/>
+              </a:spcBef>
+              <a:spcAft>
+                <a:spcPts val="544"/>
+              </a:spcAft>
+              <a:buClr>
+                <a:srgbClr val="000000"/>
+              </a:buClr>
+              <a:buSzPct val="80000"/>
+              <a:buFont typeface="Wingdings 3" charset="2"/>
+              <a:buChar char=""/>
+            </a:pPr>
+            <a:r>
+              <a:rPr lang="en-US" sz="1600" b="0" strike="noStrike" spc="-1" dirty="0">
+                <a:solidFill>
+                  <a:srgbClr val="000000"/>
+                </a:solidFill>
+                <a:latin typeface="Calibri"/>
+                <a:ea typeface="DejaVu Sans"/>
+              </a:rPr>
+              <a:t>Base R plotting vs ggplot2</a:t>
+            </a:r>
+            <a:endParaRPr lang="en-GB" sz="1600" b="0" strike="noStrike" spc="-1" dirty="0">
+              <a:latin typeface="Arial"/>
+            </a:endParaRPr>
+          </a:p>
+          <a:p>
+            <a:pPr marL="457200" lvl="1" indent="-216000">
+              <a:lnSpc>
+                <a:spcPct val="100000"/>
+              </a:lnSpc>
+              <a:spcBef>
+                <a:spcPts val="320"/>
+              </a:spcBef>
+              <a:spcAft>
+                <a:spcPts val="544"/>
+              </a:spcAft>
+              <a:buClr>
+                <a:srgbClr val="000000"/>
+              </a:buClr>
+              <a:buSzPct val="80000"/>
+              <a:buFont typeface="Wingdings 3" charset="2"/>
+              <a:buChar char=""/>
+            </a:pPr>
+            <a:r>
+              <a:rPr lang="en-US" sz="1600" b="0" strike="noStrike" spc="-1" dirty="0">
+                <a:solidFill>
+                  <a:srgbClr val="000000"/>
+                </a:solidFill>
+                <a:latin typeface="Calibri"/>
+                <a:ea typeface="DejaVu Sans"/>
+              </a:rPr>
+              <a:t>ggplot2 syntax</a:t>
+            </a:r>
+            <a:endParaRPr lang="en-GB" sz="1600" b="0" strike="noStrike" spc="-1" dirty="0">
+              <a:latin typeface="Arial"/>
+            </a:endParaRPr>
+          </a:p>
+          <a:p>
+            <a:pPr marL="457200" lvl="1" indent="-216000">
+              <a:lnSpc>
+                <a:spcPct val="100000"/>
+              </a:lnSpc>
+              <a:spcBef>
+                <a:spcPts val="320"/>
+              </a:spcBef>
+              <a:spcAft>
+                <a:spcPts val="544"/>
+              </a:spcAft>
+              <a:buClr>
+                <a:srgbClr val="000000"/>
+              </a:buClr>
+              <a:buSzPct val="80000"/>
+              <a:buFont typeface="Wingdings 3" charset="2"/>
+              <a:buChar char=""/>
+            </a:pPr>
+            <a:r>
+              <a:rPr lang="en-US" sz="1600" b="0" strike="noStrike" spc="-1" dirty="0">
+                <a:solidFill>
+                  <a:srgbClr val="000000"/>
+                </a:solidFill>
+                <a:latin typeface="Calibri"/>
+                <a:ea typeface="DejaVu Sans"/>
+              </a:rPr>
+              <a:t>Intro to factors</a:t>
+            </a:r>
+            <a:endParaRPr lang="en-GB" sz="1600" b="0" strike="noStrike" spc="-1" dirty="0">
+              <a:latin typeface="Arial"/>
+            </a:endParaRPr>
+          </a:p>
+          <a:p>
+            <a:pPr marL="457200" lvl="1" indent="-216000">
+              <a:lnSpc>
+                <a:spcPct val="100000"/>
+              </a:lnSpc>
+              <a:spcBef>
+                <a:spcPts val="320"/>
+              </a:spcBef>
+              <a:spcAft>
+                <a:spcPts val="544"/>
+              </a:spcAft>
+              <a:buClr>
+                <a:srgbClr val="000000"/>
+              </a:buClr>
+              <a:buSzPct val="80000"/>
+              <a:buFont typeface="Wingdings 3" charset="2"/>
+              <a:buChar char=""/>
+            </a:pPr>
+            <a:r>
+              <a:rPr lang="en-US" sz="1600" b="0" strike="noStrike" spc="-1" dirty="0">
+                <a:solidFill>
+                  <a:srgbClr val="000000"/>
+                </a:solidFill>
+                <a:latin typeface="Calibri"/>
+                <a:ea typeface="DejaVu Sans"/>
+              </a:rPr>
+              <a:t>Reshaping </a:t>
+            </a:r>
+            <a:r>
+              <a:rPr lang="en-US" sz="1600" b="0" strike="noStrike" spc="-1" dirty="0" err="1">
+                <a:solidFill>
+                  <a:srgbClr val="000000"/>
+                </a:solidFill>
+                <a:latin typeface="Calibri"/>
+                <a:ea typeface="DejaVu Sans"/>
+              </a:rPr>
+              <a:t>data.frames</a:t>
+            </a:r>
+            <a:endParaRPr lang="en-GB" sz="1600" b="0" strike="noStrike" spc="-1" dirty="0">
+              <a:latin typeface="Arial"/>
+            </a:endParaRPr>
+          </a:p>
+          <a:p>
+            <a:pPr marL="457200" lvl="1" indent="-216000">
+              <a:lnSpc>
+                <a:spcPct val="100000"/>
+              </a:lnSpc>
+              <a:spcBef>
+                <a:spcPts val="320"/>
+              </a:spcBef>
+              <a:spcAft>
+                <a:spcPts val="544"/>
+              </a:spcAft>
+              <a:buClr>
+                <a:srgbClr val="000000"/>
+              </a:buClr>
+              <a:buSzPct val="80000"/>
+              <a:buFont typeface="Wingdings 3" charset="2"/>
+              <a:buChar char=""/>
+            </a:pPr>
+            <a:r>
+              <a:rPr lang="en-US" sz="1600" b="0" strike="noStrike" spc="-1" dirty="0">
+                <a:solidFill>
+                  <a:srgbClr val="000000"/>
+                </a:solidFill>
+                <a:latin typeface="Calibri"/>
+                <a:ea typeface="DejaVu Sans"/>
+              </a:rPr>
+              <a:t>Plotting grouped data - Dot/box/bar plots</a:t>
+            </a:r>
+          </a:p>
+          <a:p>
+            <a:pPr marL="457200" lvl="1" indent="-216000">
+              <a:lnSpc>
+                <a:spcPct val="100000"/>
+              </a:lnSpc>
+              <a:spcBef>
+                <a:spcPts val="320"/>
+              </a:spcBef>
+              <a:spcAft>
+                <a:spcPts val="544"/>
+              </a:spcAft>
+              <a:buClr>
+                <a:srgbClr val="000000"/>
+              </a:buClr>
+              <a:buSzPct val="80000"/>
+              <a:buFont typeface="Wingdings 3" charset="2"/>
+              <a:buChar char=""/>
+            </a:pPr>
+            <a:r>
+              <a:rPr lang="en-US" sz="1600" spc="-1" dirty="0">
+                <a:solidFill>
+                  <a:srgbClr val="000000"/>
+                </a:solidFill>
+                <a:latin typeface="Calibri"/>
+              </a:rPr>
+              <a:t>Calculating and adding statistics to the plots</a:t>
+            </a:r>
+            <a:endParaRPr lang="en-GB" sz="1600" b="0" strike="noStrike" spc="-1" dirty="0">
+              <a:latin typeface="Arial"/>
+            </a:endParaRPr>
+          </a:p>
+          <a:p>
+            <a:pPr marL="457200" lvl="1" indent="-216000">
+              <a:lnSpc>
+                <a:spcPct val="100000"/>
+              </a:lnSpc>
+              <a:spcBef>
+                <a:spcPts val="320"/>
+              </a:spcBef>
+              <a:spcAft>
+                <a:spcPts val="544"/>
+              </a:spcAft>
+              <a:buClr>
+                <a:srgbClr val="000000"/>
+              </a:buClr>
+              <a:buSzPct val="80000"/>
+              <a:buFont typeface="Wingdings 3" charset="2"/>
+              <a:buChar char=""/>
+            </a:pPr>
+            <a:r>
+              <a:rPr lang="en-US" sz="1600" b="0" strike="noStrike" spc="-1" dirty="0" err="1">
+                <a:solidFill>
+                  <a:srgbClr val="000000"/>
+                </a:solidFill>
+                <a:latin typeface="Calibri"/>
+                <a:ea typeface="DejaVu Sans"/>
+              </a:rPr>
+              <a:t>Practical</a:t>
+            </a:r>
+            <a:r>
+              <a:rPr lang="en-US" sz="1600" spc="-1" dirty="0" err="1">
+                <a:solidFill>
+                  <a:srgbClr val="000000"/>
+                </a:solidFill>
+                <a:latin typeface="Calibri"/>
+                <a:ea typeface="DejaVu Sans"/>
+              </a:rPr>
+              <a:t>s</a:t>
+            </a:r>
+            <a:endParaRPr lang="en-GB" sz="1600" b="0" strike="noStrike" spc="-1" dirty="0">
+              <a:latin typeface="Arial"/>
+            </a:endParaRPr>
+          </a:p>
+          <a:p>
+            <a:pPr marL="914400" lvl="2" indent="-215640">
+              <a:lnSpc>
+                <a:spcPct val="100000"/>
+              </a:lnSpc>
+              <a:spcBef>
+                <a:spcPts val="320"/>
+              </a:spcBef>
+              <a:spcAft>
+                <a:spcPts val="544"/>
+              </a:spcAft>
+              <a:buClr>
+                <a:srgbClr val="000000"/>
+              </a:buClr>
+              <a:buSzPct val="80000"/>
+              <a:buFont typeface="Wingdings 3" charset="2"/>
+              <a:buChar char=""/>
+            </a:pPr>
+            <a:r>
+              <a:rPr lang="en-US" sz="1600" b="0" strike="noStrike" spc="-1" dirty="0">
+                <a:solidFill>
+                  <a:srgbClr val="000000"/>
+                </a:solidFill>
+                <a:latin typeface="Calibri"/>
+                <a:ea typeface="DejaVu Sans"/>
+              </a:rPr>
+              <a:t>OWID Covid data</a:t>
+            </a:r>
+          </a:p>
+          <a:p>
+            <a:pPr marL="914400" lvl="2" indent="-215640">
+              <a:lnSpc>
+                <a:spcPct val="100000"/>
+              </a:lnSpc>
+              <a:spcBef>
+                <a:spcPts val="320"/>
+              </a:spcBef>
+              <a:spcAft>
+                <a:spcPts val="544"/>
+              </a:spcAft>
+              <a:buClr>
+                <a:srgbClr val="000000"/>
+              </a:buClr>
+              <a:buSzPct val="80000"/>
+              <a:buFont typeface="Wingdings 3" charset="2"/>
+              <a:buChar char=""/>
+            </a:pPr>
+            <a:r>
+              <a:rPr lang="en-US" sz="1600" b="0" strike="noStrike" spc="-1" dirty="0">
+                <a:solidFill>
+                  <a:srgbClr val="000000"/>
+                </a:solidFill>
+                <a:latin typeface="Calibri"/>
+                <a:ea typeface="DejaVu Sans"/>
+              </a:rPr>
+              <a:t>Covid vaccine data</a:t>
+            </a:r>
+          </a:p>
+          <a:p>
+            <a:pPr indent="-215640">
+              <a:spcBef>
+                <a:spcPts val="320"/>
+              </a:spcBef>
+              <a:spcAft>
+                <a:spcPts val="544"/>
+              </a:spcAft>
+              <a:buClr>
+                <a:srgbClr val="000000"/>
+              </a:buClr>
+              <a:buSzPct val="80000"/>
+            </a:pPr>
+            <a:endParaRPr lang="en-US" sz="1600" spc="-1" dirty="0">
+              <a:solidFill>
+                <a:srgbClr val="000000"/>
+              </a:solidFill>
+              <a:latin typeface="Calibri"/>
+            </a:endParaRPr>
+          </a:p>
+          <a:p>
+            <a:pPr indent="-215640">
+              <a:spcBef>
+                <a:spcPts val="320"/>
+              </a:spcBef>
+              <a:spcAft>
+                <a:spcPts val="544"/>
+              </a:spcAft>
+              <a:buClr>
+                <a:srgbClr val="000000"/>
+              </a:buClr>
+              <a:buSzPct val="80000"/>
+            </a:pPr>
+            <a:r>
+              <a:rPr lang="en-US" sz="1600" b="0" strike="noStrike" spc="-1" dirty="0">
+                <a:solidFill>
+                  <a:srgbClr val="000000"/>
+                </a:solidFill>
+                <a:latin typeface="Calibri"/>
+              </a:rPr>
+              <a:t>GitHub repository: </a:t>
+            </a:r>
+            <a:r>
+              <a:rPr lang="en-US" sz="1600" b="0" strike="noStrike" spc="-1" dirty="0">
+                <a:solidFill>
+                  <a:srgbClr val="000000"/>
+                </a:solidFill>
+                <a:latin typeface="Calibri"/>
+                <a:hlinkClick r:id="rId2"/>
+              </a:rPr>
+              <a:t>https://github.com/Chelysheva/data_vis_ggplot2_June2025</a:t>
+            </a:r>
+            <a:r>
+              <a:rPr lang="en-US" sz="1600" b="0" strike="noStrike" spc="-1" dirty="0">
+                <a:solidFill>
+                  <a:srgbClr val="000000"/>
+                </a:solidFill>
+                <a:latin typeface="Calibri"/>
+              </a:rPr>
+              <a:t> </a:t>
+            </a:r>
+            <a:endParaRPr lang="en-GB" sz="1600" b="0" strike="noStrike" spc="-1" dirty="0">
+              <a:latin typeface="Arial"/>
+            </a:endParaRPr>
+          </a:p>
+        </p:txBody>
+      </p:sp>
+      <p:sp>
+        <p:nvSpPr>
+          <p:cNvPr id="3" name="Title 1">
+            <a:extLst>
+              <a:ext uri="{FF2B5EF4-FFF2-40B4-BE49-F238E27FC236}">
+                <a16:creationId xmlns:a16="http://schemas.microsoft.com/office/drawing/2014/main" id="{57A09486-736A-6764-EA03-4901C7983241}"/>
+              </a:ext>
+            </a:extLst>
+          </p:cNvPr>
+          <p:cNvSpPr txBox="1">
+            <a:spLocks/>
+          </p:cNvSpPr>
+          <p:nvPr/>
+        </p:nvSpPr>
+        <p:spPr>
+          <a:xfrm>
+            <a:off x="521208" y="978408"/>
+            <a:ext cx="11155680" cy="1463040"/>
+          </a:xfrm>
+          <a:prstGeom prst="rect">
+            <a:avLst/>
+          </a:prstGeom>
+        </p:spPr>
+        <p:txBody>
+          <a:bodyPr/>
+          <a:lstStyle>
+            <a:lvl1pPr algn="l" defTabSz="914400" rtl="0" eaLnBrk="1" latinLnBrk="0" hangingPunct="1">
+              <a:lnSpc>
+                <a:spcPct val="100000"/>
+              </a:lnSpc>
+              <a:spcBef>
+                <a:spcPct val="0"/>
+              </a:spcBef>
+              <a:buNone/>
+              <a:defRPr sz="4400" b="1" kern="1200">
+                <a:solidFill>
+                  <a:schemeClr val="tx1"/>
+                </a:solidFill>
+                <a:latin typeface="+mj-lt"/>
+                <a:ea typeface="+mj-ea"/>
+                <a:cs typeface="+mj-cs"/>
+              </a:defRPr>
+            </a:lvl1pPr>
+          </a:lstStyle>
+          <a:p>
+            <a:r>
+              <a:rPr lang="en-US">
+                <a:latin typeface="Calibri" panose="020F0502020204030204" pitchFamily="34" charset="0"/>
+                <a:cs typeface="Calibri" panose="020F0502020204030204" pitchFamily="34" charset="0"/>
+              </a:rPr>
+              <a:t>Today’s plan</a:t>
+            </a:r>
+            <a:endParaRPr lang="en-US" dirty="0">
+              <a:latin typeface="Calibri" panose="020F0502020204030204" pitchFamily="34" charset="0"/>
+              <a:cs typeface="Calibri" panose="020F0502020204030204" pitchFamily="34" charset="0"/>
+            </a:endParaRPr>
+          </a:p>
+        </p:txBody>
+      </p:sp>
+    </p:spTree>
+    <p:extLst>
+      <p:ext uri="{BB962C8B-B14F-4D97-AF65-F5344CB8AC3E}">
+        <p14:creationId xmlns:p14="http://schemas.microsoft.com/office/powerpoint/2010/main" val="415017106"/>
+      </p:ext>
+    </p:extLst>
+  </p:cSld>
+  <p:clrMapOvr>
+    <a:masterClrMapping/>
+  </p:clrMapOvr>
+</p:sld>
+</file>
+
+<file path=ppt/slides/slide20.xml><?xml version="1.0" encoding="utf-8"?>
 <p:sld xmlns:a="http://schemas.openxmlformats.org/drawingml/2006/main" xmlns:r="http://schemas.openxmlformats.org/officeDocument/2006/relationships" xmlns:p="http://schemas.openxmlformats.org/presentationml/2006/main">
   <p:cSld>
     <p:spTree>
@@ -10527,7 +10428,7 @@
 </p:sld>
 </file>
 
-<file path=ppt/slides/slide22.xml><?xml version="1.0" encoding="utf-8"?>
+<file path=ppt/slides/slide21.xml><?xml version="1.0" encoding="utf-8"?>
 <p:sld xmlns:a="http://schemas.openxmlformats.org/drawingml/2006/main" xmlns:r="http://schemas.openxmlformats.org/officeDocument/2006/relationships" xmlns:p="http://schemas.openxmlformats.org/presentationml/2006/main">
   <p:cSld>
     <p:spTree>

--- a/Data_vis_ggplot2.pptx
+++ b/Data_vis_ggplot2.pptx
@@ -11,21 +11,22 @@
     <p:sldId id="295" r:id="rId5"/>
     <p:sldId id="296" r:id="rId6"/>
     <p:sldId id="297" r:id="rId7"/>
-    <p:sldId id="298" r:id="rId8"/>
-    <p:sldId id="266" r:id="rId9"/>
-    <p:sldId id="267" r:id="rId10"/>
-    <p:sldId id="268" r:id="rId11"/>
-    <p:sldId id="269" r:id="rId12"/>
-    <p:sldId id="270" r:id="rId13"/>
-    <p:sldId id="282" r:id="rId14"/>
-    <p:sldId id="299" r:id="rId15"/>
-    <p:sldId id="300" r:id="rId16"/>
-    <p:sldId id="301" r:id="rId17"/>
-    <p:sldId id="258" r:id="rId18"/>
-    <p:sldId id="259" r:id="rId19"/>
-    <p:sldId id="280" r:id="rId20"/>
-    <p:sldId id="278" r:id="rId21"/>
-    <p:sldId id="302" r:id="rId22"/>
+    <p:sldId id="304" r:id="rId8"/>
+    <p:sldId id="298" r:id="rId9"/>
+    <p:sldId id="266" r:id="rId10"/>
+    <p:sldId id="267" r:id="rId11"/>
+    <p:sldId id="268" r:id="rId12"/>
+    <p:sldId id="269" r:id="rId13"/>
+    <p:sldId id="270" r:id="rId14"/>
+    <p:sldId id="282" r:id="rId15"/>
+    <p:sldId id="299" r:id="rId16"/>
+    <p:sldId id="300" r:id="rId17"/>
+    <p:sldId id="301" r:id="rId18"/>
+    <p:sldId id="258" r:id="rId19"/>
+    <p:sldId id="259" r:id="rId20"/>
+    <p:sldId id="280" r:id="rId21"/>
+    <p:sldId id="278" r:id="rId22"/>
+    <p:sldId id="302" r:id="rId23"/>
   </p:sldIdLst>
   <p:sldSz cx="12192000" cy="6858000"/>
   <p:notesSz cx="6858000" cy="9144000"/>
@@ -4259,6 +4260,476 @@
       </p:grpSpPr>
       <p:sp>
         <p:nvSpPr>
+          <p:cNvPr id="213" name="CustomShape 2"/>
+          <p:cNvSpPr/>
+          <p:nvPr/>
+        </p:nvSpPr>
+        <p:spPr>
+          <a:xfrm>
+            <a:off x="1984440" y="1344960"/>
+            <a:ext cx="2742480" cy="395280"/>
+          </a:xfrm>
+          <a:prstGeom prst="rect">
+            <a:avLst/>
+          </a:prstGeom>
+          <a:noFill/>
+          <a:ln>
+            <a:noFill/>
+          </a:ln>
+        </p:spPr>
+        <p:style>
+          <a:lnRef idx="0">
+            <a:scrgbClr r="0" g="0" b="0"/>
+          </a:lnRef>
+          <a:fillRef idx="0">
+            <a:scrgbClr r="0" g="0" b="0"/>
+          </a:fillRef>
+          <a:effectRef idx="0">
+            <a:scrgbClr r="0" g="0" b="0"/>
+          </a:effectRef>
+          <a:fontRef idx="minor"/>
+        </p:style>
+        <p:txBody>
+          <a:bodyPr lIns="90000" tIns="45000" rIns="90000" bIns="45000">
+            <a:spAutoFit/>
+          </a:bodyPr>
+          <a:lstStyle/>
+          <a:p>
+            <a:pPr>
+              <a:lnSpc>
+                <a:spcPct val="100000"/>
+              </a:lnSpc>
+            </a:pPr>
+            <a:r>
+              <a:rPr lang="en-GB" sz="2000" b="1" spc="-1">
+                <a:solidFill>
+                  <a:srgbClr val="000000"/>
+                </a:solidFill>
+                <a:latin typeface="Calibri"/>
+                <a:ea typeface="DejaVu Sans"/>
+              </a:rPr>
+              <a:t>Bar plots</a:t>
+            </a:r>
+            <a:endParaRPr lang="en-GB" sz="2000" spc="-1">
+              <a:latin typeface="Arial"/>
+            </a:endParaRPr>
+          </a:p>
+        </p:txBody>
+      </p:sp>
+      <p:sp>
+        <p:nvSpPr>
+          <p:cNvPr id="214" name="CustomShape 3"/>
+          <p:cNvSpPr/>
+          <p:nvPr/>
+        </p:nvSpPr>
+        <p:spPr>
+          <a:xfrm>
+            <a:off x="1986240" y="1715040"/>
+            <a:ext cx="3854160" cy="364680"/>
+          </a:xfrm>
+          <a:prstGeom prst="rect">
+            <a:avLst/>
+          </a:prstGeom>
+          <a:noFill/>
+          <a:ln>
+            <a:noFill/>
+          </a:ln>
+        </p:spPr>
+        <p:style>
+          <a:lnRef idx="0">
+            <a:scrgbClr r="0" g="0" b="0"/>
+          </a:lnRef>
+          <a:fillRef idx="0">
+            <a:scrgbClr r="0" g="0" b="0"/>
+          </a:fillRef>
+          <a:effectRef idx="0">
+            <a:scrgbClr r="0" g="0" b="0"/>
+          </a:effectRef>
+          <a:fontRef idx="minor"/>
+        </p:style>
+        <p:txBody>
+          <a:bodyPr lIns="90000" tIns="45000" rIns="90000" bIns="45000">
+            <a:spAutoFit/>
+          </a:bodyPr>
+          <a:lstStyle/>
+          <a:p>
+            <a:pPr>
+              <a:lnSpc>
+                <a:spcPct val="100000"/>
+              </a:lnSpc>
+            </a:pPr>
+            <a:r>
+              <a:rPr lang="en-GB" spc="-1">
+                <a:solidFill>
+                  <a:srgbClr val="000000"/>
+                </a:solidFill>
+                <a:latin typeface="Courier New"/>
+                <a:ea typeface="DejaVu Sans"/>
+              </a:rPr>
+              <a:t>geom_bar(</a:t>
+            </a:r>
+            <a:r>
+              <a:rPr lang="en-GB" spc="-1">
+                <a:solidFill>
+                  <a:srgbClr val="000000"/>
+                </a:solidFill>
+                <a:latin typeface="Courier New"/>
+                <a:ea typeface="Calibri"/>
+              </a:rPr>
+              <a:t>position=...)</a:t>
+            </a:r>
+            <a:endParaRPr lang="en-GB" spc="-1">
+              <a:latin typeface="Arial"/>
+            </a:endParaRPr>
+          </a:p>
+        </p:txBody>
+      </p:sp>
+      <p:sp>
+        <p:nvSpPr>
+          <p:cNvPr id="215" name="CustomShape 4"/>
+          <p:cNvSpPr/>
+          <p:nvPr/>
+        </p:nvSpPr>
+        <p:spPr>
+          <a:xfrm>
+            <a:off x="7740480" y="5292720"/>
+            <a:ext cx="2633040" cy="364680"/>
+          </a:xfrm>
+          <a:prstGeom prst="rect">
+            <a:avLst/>
+          </a:prstGeom>
+          <a:noFill/>
+          <a:ln>
+            <a:noFill/>
+          </a:ln>
+        </p:spPr>
+        <p:style>
+          <a:lnRef idx="0">
+            <a:scrgbClr r="0" g="0" b="0"/>
+          </a:lnRef>
+          <a:fillRef idx="0">
+            <a:scrgbClr r="0" g="0" b="0"/>
+          </a:fillRef>
+          <a:effectRef idx="0">
+            <a:scrgbClr r="0" g="0" b="0"/>
+          </a:effectRef>
+          <a:fontRef idx="minor"/>
+        </p:style>
+        <p:txBody>
+          <a:bodyPr lIns="90000" tIns="45000" rIns="90000" bIns="45000">
+            <a:spAutoFit/>
+          </a:bodyPr>
+          <a:lstStyle/>
+          <a:p>
+            <a:pPr>
+              <a:lnSpc>
+                <a:spcPct val="100000"/>
+              </a:lnSpc>
+            </a:pPr>
+            <a:r>
+              <a:rPr lang="en-GB" spc="-1">
+                <a:solidFill>
+                  <a:srgbClr val="000000"/>
+                </a:solidFill>
+                <a:latin typeface="Courier New"/>
+                <a:ea typeface="Calibri"/>
+              </a:rPr>
+              <a:t>position="fill"</a:t>
+            </a:r>
+            <a:endParaRPr lang="en-GB" spc="-1">
+              <a:latin typeface="Arial"/>
+            </a:endParaRPr>
+          </a:p>
+        </p:txBody>
+      </p:sp>
+      <p:sp>
+        <p:nvSpPr>
+          <p:cNvPr id="216" name="CustomShape 5"/>
+          <p:cNvSpPr/>
+          <p:nvPr/>
+        </p:nvSpPr>
+        <p:spPr>
+          <a:xfrm>
+            <a:off x="4726200" y="5292720"/>
+            <a:ext cx="2476440" cy="364680"/>
+          </a:xfrm>
+          <a:prstGeom prst="rect">
+            <a:avLst/>
+          </a:prstGeom>
+          <a:noFill/>
+          <a:ln>
+            <a:noFill/>
+          </a:ln>
+        </p:spPr>
+        <p:style>
+          <a:lnRef idx="0">
+            <a:scrgbClr r="0" g="0" b="0"/>
+          </a:lnRef>
+          <a:fillRef idx="0">
+            <a:scrgbClr r="0" g="0" b="0"/>
+          </a:fillRef>
+          <a:effectRef idx="0">
+            <a:scrgbClr r="0" g="0" b="0"/>
+          </a:effectRef>
+          <a:fontRef idx="minor"/>
+        </p:style>
+        <p:txBody>
+          <a:bodyPr lIns="90000" tIns="45000" rIns="90000" bIns="45000">
+            <a:spAutoFit/>
+          </a:bodyPr>
+          <a:lstStyle/>
+          <a:p>
+            <a:pPr>
+              <a:lnSpc>
+                <a:spcPct val="100000"/>
+              </a:lnSpc>
+            </a:pPr>
+            <a:r>
+              <a:rPr lang="en-GB" spc="-1">
+                <a:solidFill>
+                  <a:srgbClr val="000000"/>
+                </a:solidFill>
+                <a:latin typeface="Courier New"/>
+                <a:ea typeface="Calibri"/>
+              </a:rPr>
+              <a:t>position="stack"</a:t>
+            </a:r>
+            <a:endParaRPr lang="en-GB" spc="-1">
+              <a:latin typeface="Arial"/>
+            </a:endParaRPr>
+          </a:p>
+        </p:txBody>
+      </p:sp>
+      <p:pic>
+        <p:nvPicPr>
+          <p:cNvPr id="217" name="Picture 8" descr="Chart, bar chart&#10;&#10;Description automatically generated"/>
+          <p:cNvPicPr/>
+          <p:nvPr/>
+        </p:nvPicPr>
+        <p:blipFill>
+          <a:blip r:embed="rId2"/>
+          <a:stretch/>
+        </p:blipFill>
+        <p:spPr>
+          <a:xfrm>
+            <a:off x="1827840" y="2550600"/>
+            <a:ext cx="2742480" cy="2742480"/>
+          </a:xfrm>
+          <a:prstGeom prst="rect">
+            <a:avLst/>
+          </a:prstGeom>
+          <a:ln>
+            <a:noFill/>
+          </a:ln>
+        </p:spPr>
+      </p:pic>
+      <p:pic>
+        <p:nvPicPr>
+          <p:cNvPr id="218" name="Picture 9" descr="Chart, bar chart&#10;&#10;Description automatically generated"/>
+          <p:cNvPicPr/>
+          <p:nvPr/>
+        </p:nvPicPr>
+        <p:blipFill>
+          <a:blip r:embed="rId3"/>
+          <a:stretch/>
+        </p:blipFill>
+        <p:spPr>
+          <a:xfrm>
+            <a:off x="4724400" y="2550600"/>
+            <a:ext cx="2742480" cy="2742480"/>
+          </a:xfrm>
+          <a:prstGeom prst="rect">
+            <a:avLst/>
+          </a:prstGeom>
+          <a:ln>
+            <a:noFill/>
+          </a:ln>
+        </p:spPr>
+      </p:pic>
+      <p:pic>
+        <p:nvPicPr>
+          <p:cNvPr id="219" name="Picture 10" descr="Chart, bar chart&#10;&#10;Description automatically generated"/>
+          <p:cNvPicPr/>
+          <p:nvPr/>
+        </p:nvPicPr>
+        <p:blipFill>
+          <a:blip r:embed="rId4"/>
+          <a:stretch/>
+        </p:blipFill>
+        <p:spPr>
+          <a:xfrm>
+            <a:off x="7628880" y="2550600"/>
+            <a:ext cx="2742480" cy="2742480"/>
+          </a:xfrm>
+          <a:prstGeom prst="rect">
+            <a:avLst/>
+          </a:prstGeom>
+          <a:ln>
+            <a:noFill/>
+          </a:ln>
+        </p:spPr>
+      </p:pic>
+      <p:sp>
+        <p:nvSpPr>
+          <p:cNvPr id="220" name="CustomShape 6"/>
+          <p:cNvSpPr/>
+          <p:nvPr/>
+        </p:nvSpPr>
+        <p:spPr>
+          <a:xfrm>
+            <a:off x="1827840" y="5345640"/>
+            <a:ext cx="2742480" cy="364680"/>
+          </a:xfrm>
+          <a:prstGeom prst="rect">
+            <a:avLst/>
+          </a:prstGeom>
+          <a:noFill/>
+          <a:ln>
+            <a:noFill/>
+          </a:ln>
+        </p:spPr>
+        <p:style>
+          <a:lnRef idx="0">
+            <a:scrgbClr r="0" g="0" b="0"/>
+          </a:lnRef>
+          <a:fillRef idx="0">
+            <a:scrgbClr r="0" g="0" b="0"/>
+          </a:fillRef>
+          <a:effectRef idx="0">
+            <a:scrgbClr r="0" g="0" b="0"/>
+          </a:effectRef>
+          <a:fontRef idx="minor"/>
+        </p:style>
+        <p:txBody>
+          <a:bodyPr lIns="90000" tIns="45000" rIns="90000" bIns="45000">
+            <a:spAutoFit/>
+          </a:bodyPr>
+          <a:lstStyle/>
+          <a:p>
+            <a:pPr>
+              <a:lnSpc>
+                <a:spcPct val="100000"/>
+              </a:lnSpc>
+            </a:pPr>
+            <a:r>
+              <a:rPr lang="en-US" spc="-1">
+                <a:solidFill>
+                  <a:srgbClr val="000000"/>
+                </a:solidFill>
+                <a:latin typeface="Courier New"/>
+                <a:ea typeface="DejaVu Sans"/>
+              </a:rPr>
+              <a:t>position="dodge"</a:t>
+            </a:r>
+            <a:endParaRPr lang="en-GB" spc="-1">
+              <a:latin typeface="Arial"/>
+            </a:endParaRPr>
+          </a:p>
+        </p:txBody>
+      </p:sp>
+      <p:sp>
+        <p:nvSpPr>
+          <p:cNvPr id="3" name="CustomShape 1">
+            <a:extLst>
+              <a:ext uri="{FF2B5EF4-FFF2-40B4-BE49-F238E27FC236}">
+                <a16:creationId xmlns:a16="http://schemas.microsoft.com/office/drawing/2014/main" id="{F30F4E2F-2E25-1EFB-458D-FAAED785ECD3}"/>
+              </a:ext>
+            </a:extLst>
+          </p:cNvPr>
+          <p:cNvSpPr/>
+          <p:nvPr/>
+        </p:nvSpPr>
+        <p:spPr>
+          <a:xfrm>
+            <a:off x="1981200" y="274680"/>
+            <a:ext cx="8228880" cy="1142280"/>
+          </a:xfrm>
+          <a:prstGeom prst="rect">
+            <a:avLst/>
+          </a:prstGeom>
+          <a:noFill/>
+          <a:ln>
+            <a:noFill/>
+          </a:ln>
+        </p:spPr>
+        <p:style>
+          <a:lnRef idx="0">
+            <a:scrgbClr r="0" g="0" b="0"/>
+          </a:lnRef>
+          <a:fillRef idx="0">
+            <a:scrgbClr r="0" g="0" b="0"/>
+          </a:fillRef>
+          <a:effectRef idx="0">
+            <a:scrgbClr r="0" g="0" b="0"/>
+          </a:effectRef>
+          <a:fontRef idx="minor"/>
+        </p:style>
+        <p:txBody>
+          <a:bodyPr lIns="90000" tIns="45000" rIns="90000" bIns="45000" anchor="ctr">
+            <a:noAutofit/>
+          </a:bodyPr>
+          <a:lstStyle/>
+          <a:p>
+            <a:pPr algn="ctr">
+              <a:lnSpc>
+                <a:spcPct val="100000"/>
+              </a:lnSpc>
+            </a:pPr>
+            <a:r>
+              <a:rPr lang="en-GB" sz="4400" b="1" spc="-1" dirty="0">
+                <a:solidFill>
+                  <a:srgbClr val="000000"/>
+                </a:solidFill>
+                <a:latin typeface="Calibri"/>
+                <a:ea typeface="DejaVu Sans"/>
+              </a:rPr>
+              <a:t>Plotting grouped data</a:t>
+            </a:r>
+            <a:endParaRPr lang="en-GB" sz="4400" b="1" spc="-1" dirty="0">
+              <a:latin typeface="Arial"/>
+            </a:endParaRPr>
+          </a:p>
+        </p:txBody>
+      </p:sp>
+    </p:spTree>
+  </p:cSld>
+  <p:clrMapOvr>
+    <a:masterClrMapping/>
+  </p:clrMapOvr>
+  <mc:AlternateContent xmlns:mc="http://schemas.openxmlformats.org/markup-compatibility/2006" xmlns:p14="http://schemas.microsoft.com/office/powerpoint/2010/main">
+    <mc:Choice Requires="p14">
+      <p:transition spd="med" p14:dur="700">
+        <p:fade/>
+      </p:transition>
+    </mc:Choice>
+    <mc:Fallback xmlns="">
+      <p:transition spd="med">
+        <p:fade/>
+      </p:transition>
+    </mc:Fallback>
+  </mc:AlternateContent>
+</p:sld>
+</file>
+
+<file path=ppt/slides/slide11.xml><?xml version="1.0" encoding="utf-8"?>
+<p:sld xmlns:a="http://schemas.openxmlformats.org/drawingml/2006/main" xmlns:r="http://schemas.openxmlformats.org/officeDocument/2006/relationships" xmlns:p="http://schemas.openxmlformats.org/presentationml/2006/main">
+  <p:cSld>
+    <p:spTree>
+      <p:nvGrpSpPr>
+        <p:cNvPr id="1" name=""/>
+        <p:cNvGrpSpPr/>
+        <p:nvPr/>
+      </p:nvGrpSpPr>
+      <p:grpSpPr>
+        <a:xfrm>
+          <a:off x="0" y="0"/>
+          <a:ext cx="0" cy="0"/>
+          <a:chOff x="0" y="0"/>
+          <a:chExt cx="0" cy="0"/>
+        </a:xfrm>
+      </p:grpSpPr>
+      <p:sp>
+        <p:nvSpPr>
           <p:cNvPr id="221" name="CustomShape 1"/>
           <p:cNvSpPr/>
           <p:nvPr/>
@@ -4824,7 +5295,7 @@
 </p:sld>
 </file>
 
-<file path=ppt/slides/slide11.xml><?xml version="1.0" encoding="utf-8"?>
+<file path=ppt/slides/slide12.xml><?xml version="1.0" encoding="utf-8"?>
 <p:sld xmlns:a="http://schemas.openxmlformats.org/drawingml/2006/main" xmlns:r="http://schemas.openxmlformats.org/officeDocument/2006/relationships" xmlns:p="http://schemas.openxmlformats.org/presentationml/2006/main">
   <p:cSld>
     <p:spTree>
@@ -5247,7 +5718,7 @@
 </p:sld>
 </file>
 
-<file path=ppt/slides/slide12.xml><?xml version="1.0" encoding="utf-8"?>
+<file path=ppt/slides/slide13.xml><?xml version="1.0" encoding="utf-8"?>
 <p:sld xmlns:a="http://schemas.openxmlformats.org/drawingml/2006/main" xmlns:r="http://schemas.openxmlformats.org/officeDocument/2006/relationships" xmlns:p="http://schemas.openxmlformats.org/presentationml/2006/main">
   <p:cSld>
     <p:spTree>
@@ -5365,7 +5836,7 @@
 </p:sld>
 </file>
 
-<file path=ppt/slides/slide13.xml><?xml version="1.0" encoding="utf-8"?>
+<file path=ppt/slides/slide14.xml><?xml version="1.0" encoding="utf-8"?>
 <p:sld xmlns:a="http://schemas.openxmlformats.org/drawingml/2006/main" xmlns:r="http://schemas.openxmlformats.org/officeDocument/2006/relationships" xmlns:p="http://schemas.openxmlformats.org/presentationml/2006/main">
   <p:cSld>
     <p:spTree>
@@ -5918,7 +6389,7 @@
 </p:sld>
 </file>
 
-<file path=ppt/slides/slide14.xml><?xml version="1.0" encoding="utf-8"?>
+<file path=ppt/slides/slide15.xml><?xml version="1.0" encoding="utf-8"?>
 <p:sld xmlns:a="http://schemas.openxmlformats.org/drawingml/2006/main" xmlns:r="http://schemas.openxmlformats.org/officeDocument/2006/relationships" xmlns:p="http://schemas.openxmlformats.org/presentationml/2006/main">
   <p:cSld>
     <p:spTree>
@@ -6433,7 +6904,7 @@
 </p:sld>
 </file>
 
-<file path=ppt/slides/slide15.xml><?xml version="1.0" encoding="utf-8"?>
+<file path=ppt/slides/slide16.xml><?xml version="1.0" encoding="utf-8"?>
 <p:sld xmlns:a="http://schemas.openxmlformats.org/drawingml/2006/main" xmlns:r="http://schemas.openxmlformats.org/officeDocument/2006/relationships" xmlns:p="http://schemas.openxmlformats.org/presentationml/2006/main">
   <p:cSld>
     <p:spTree>
@@ -7192,7 +7663,7 @@
 </p:sld>
 </file>
 
-<file path=ppt/slides/slide16.xml><?xml version="1.0" encoding="utf-8"?>
+<file path=ppt/slides/slide17.xml><?xml version="1.0" encoding="utf-8"?>
 <p:sld xmlns:a="http://schemas.openxmlformats.org/drawingml/2006/main" xmlns:r="http://schemas.openxmlformats.org/officeDocument/2006/relationships" xmlns:p="http://schemas.openxmlformats.org/presentationml/2006/main">
   <p:cSld>
     <p:spTree>
@@ -7521,7 +7992,7 @@
 </p:sld>
 </file>
 
-<file path=ppt/slides/slide17.xml><?xml version="1.0" encoding="utf-8"?>
+<file path=ppt/slides/slide18.xml><?xml version="1.0" encoding="utf-8"?>
 <p:sld xmlns:a="http://schemas.openxmlformats.org/drawingml/2006/main" xmlns:r="http://schemas.openxmlformats.org/officeDocument/2006/relationships" xmlns:p="http://schemas.openxmlformats.org/presentationml/2006/main">
   <p:cSld>
     <p:spTree>
@@ -8280,7 +8751,7 @@
 </p:sld>
 </file>
 
-<file path=ppt/slides/slide18.xml><?xml version="1.0" encoding="utf-8"?>
+<file path=ppt/slides/slide19.xml><?xml version="1.0" encoding="utf-8"?>
 <p:sld xmlns:a="http://schemas.openxmlformats.org/drawingml/2006/main" xmlns:r="http://schemas.openxmlformats.org/officeDocument/2006/relationships" xmlns:p="http://schemas.openxmlformats.org/presentationml/2006/main">
   <p:cSld>
     <p:spTree>
@@ -8895,7 +9366,577 @@
 </p:sld>
 </file>
 
-<file path=ppt/slides/slide19.xml><?xml version="1.0" encoding="utf-8"?>
+<file path=ppt/slides/slide2.xml><?xml version="1.0" encoding="utf-8"?>
+<p:sld xmlns:a="http://schemas.openxmlformats.org/drawingml/2006/main" xmlns:r="http://schemas.openxmlformats.org/officeDocument/2006/relationships" xmlns:p="http://schemas.openxmlformats.org/presentationml/2006/main">
+  <p:cSld>
+    <p:spTree>
+      <p:nvGrpSpPr>
+        <p:cNvPr id="1" name=""/>
+        <p:cNvGrpSpPr/>
+        <p:nvPr/>
+      </p:nvGrpSpPr>
+      <p:grpSpPr>
+        <a:xfrm>
+          <a:off x="0" y="0"/>
+          <a:ext cx="0" cy="0"/>
+          <a:chOff x="0" y="0"/>
+          <a:chExt cx="0" cy="0"/>
+        </a:xfrm>
+      </p:grpSpPr>
+      <p:sp>
+        <p:nvSpPr>
+          <p:cNvPr id="2" name="CustomShape 2">
+            <a:extLst>
+              <a:ext uri="{FF2B5EF4-FFF2-40B4-BE49-F238E27FC236}">
+                <a16:creationId xmlns:a16="http://schemas.microsoft.com/office/drawing/2014/main" id="{F8D02884-8E2E-27CA-7DCD-6DCE968D87C7}"/>
+              </a:ext>
+            </a:extLst>
+          </p:cNvPr>
+          <p:cNvSpPr/>
+          <p:nvPr/>
+        </p:nvSpPr>
+        <p:spPr>
+          <a:xfrm>
+            <a:off x="1630497" y="1709928"/>
+            <a:ext cx="8619695" cy="4894920"/>
+          </a:xfrm>
+          <a:prstGeom prst="rect">
+            <a:avLst/>
+          </a:prstGeom>
+          <a:noFill/>
+          <a:ln>
+            <a:noFill/>
+          </a:ln>
+        </p:spPr>
+        <p:style>
+          <a:lnRef idx="0">
+            <a:scrgbClr r="0" g="0" b="0"/>
+          </a:lnRef>
+          <a:fillRef idx="0">
+            <a:scrgbClr r="0" g="0" b="0"/>
+          </a:fillRef>
+          <a:effectRef idx="0">
+            <a:scrgbClr r="0" g="0" b="0"/>
+          </a:effectRef>
+          <a:fontRef idx="minor"/>
+        </p:style>
+        <p:txBody>
+          <a:bodyPr lIns="82800" tIns="41400" rIns="82800" bIns="41400" anchor="ctr">
+            <a:normAutofit/>
+          </a:bodyPr>
+          <a:lstStyle/>
+          <a:p>
+            <a:pPr indent="-216000">
+              <a:lnSpc>
+                <a:spcPct val="100000"/>
+              </a:lnSpc>
+              <a:spcBef>
+                <a:spcPts val="320"/>
+              </a:spcBef>
+              <a:spcAft>
+                <a:spcPts val="544"/>
+              </a:spcAft>
+              <a:buClr>
+                <a:srgbClr val="000000"/>
+              </a:buClr>
+              <a:buSzPct val="80000"/>
+              <a:buFont typeface="Wingdings 3" charset="2"/>
+              <a:buChar char=""/>
+            </a:pPr>
+            <a:r>
+              <a:rPr lang="en-US" sz="1600" b="1" strike="noStrike" spc="-1" dirty="0">
+                <a:solidFill>
+                  <a:srgbClr val="000000"/>
+                </a:solidFill>
+                <a:latin typeface="Calibri"/>
+                <a:ea typeface="DejaVu Sans"/>
+              </a:rPr>
+              <a:t>Data </a:t>
+            </a:r>
+            <a:r>
+              <a:rPr lang="en-US" sz="1600" b="1" strike="noStrike" spc="-1" dirty="0" err="1">
+                <a:solidFill>
+                  <a:srgbClr val="000000"/>
+                </a:solidFill>
+                <a:latin typeface="Calibri"/>
+                <a:ea typeface="DejaVu Sans"/>
+              </a:rPr>
+              <a:t>Visualisation</a:t>
+            </a:r>
+            <a:endParaRPr lang="en-GB" sz="1600" b="0" strike="noStrike" spc="-1" dirty="0">
+              <a:latin typeface="Arial"/>
+            </a:endParaRPr>
+          </a:p>
+          <a:p>
+            <a:pPr marL="457200" lvl="1" indent="-216000">
+              <a:lnSpc>
+                <a:spcPct val="100000"/>
+              </a:lnSpc>
+              <a:spcBef>
+                <a:spcPts val="320"/>
+              </a:spcBef>
+              <a:spcAft>
+                <a:spcPts val="544"/>
+              </a:spcAft>
+              <a:buClr>
+                <a:srgbClr val="000000"/>
+              </a:buClr>
+              <a:buSzPct val="80000"/>
+              <a:buFont typeface="Wingdings 3" charset="2"/>
+              <a:buChar char=""/>
+            </a:pPr>
+            <a:r>
+              <a:rPr lang="en-US" sz="1600" b="0" strike="noStrike" spc="-1" dirty="0">
+                <a:solidFill>
+                  <a:srgbClr val="000000"/>
+                </a:solidFill>
+                <a:latin typeface="Calibri"/>
+                <a:ea typeface="DejaVu Sans"/>
+              </a:rPr>
+              <a:t>Intro to ggplot2</a:t>
+            </a:r>
+            <a:endParaRPr lang="en-GB" sz="1600" b="0" strike="noStrike" spc="-1" dirty="0">
+              <a:latin typeface="Arial"/>
+            </a:endParaRPr>
+          </a:p>
+          <a:p>
+            <a:pPr marL="457200" lvl="1" indent="-216000">
+              <a:lnSpc>
+                <a:spcPct val="100000"/>
+              </a:lnSpc>
+              <a:spcBef>
+                <a:spcPts val="320"/>
+              </a:spcBef>
+              <a:spcAft>
+                <a:spcPts val="544"/>
+              </a:spcAft>
+              <a:buClr>
+                <a:srgbClr val="000000"/>
+              </a:buClr>
+              <a:buSzPct val="80000"/>
+              <a:buFont typeface="Wingdings 3" charset="2"/>
+              <a:buChar char=""/>
+            </a:pPr>
+            <a:r>
+              <a:rPr lang="en-US" sz="1600" b="0" strike="noStrike" spc="-1" dirty="0">
+                <a:solidFill>
+                  <a:srgbClr val="000000"/>
+                </a:solidFill>
+                <a:latin typeface="Calibri"/>
+                <a:ea typeface="DejaVu Sans"/>
+              </a:rPr>
+              <a:t>Base R plotting vs ggplot2</a:t>
+            </a:r>
+            <a:endParaRPr lang="en-GB" sz="1600" b="0" strike="noStrike" spc="-1" dirty="0">
+              <a:latin typeface="Arial"/>
+            </a:endParaRPr>
+          </a:p>
+          <a:p>
+            <a:pPr marL="457200" lvl="1" indent="-216000">
+              <a:lnSpc>
+                <a:spcPct val="100000"/>
+              </a:lnSpc>
+              <a:spcBef>
+                <a:spcPts val="320"/>
+              </a:spcBef>
+              <a:spcAft>
+                <a:spcPts val="544"/>
+              </a:spcAft>
+              <a:buClr>
+                <a:srgbClr val="000000"/>
+              </a:buClr>
+              <a:buSzPct val="80000"/>
+              <a:buFont typeface="Wingdings 3" charset="2"/>
+              <a:buChar char=""/>
+            </a:pPr>
+            <a:r>
+              <a:rPr lang="en-US" sz="1600" b="0" strike="noStrike" spc="-1" dirty="0">
+                <a:solidFill>
+                  <a:srgbClr val="000000"/>
+                </a:solidFill>
+                <a:latin typeface="Calibri"/>
+                <a:ea typeface="DejaVu Sans"/>
+              </a:rPr>
+              <a:t>ggplot2 syntax</a:t>
+            </a:r>
+            <a:endParaRPr lang="en-GB" sz="1600" b="0" strike="noStrike" spc="-1" dirty="0">
+              <a:latin typeface="Arial"/>
+            </a:endParaRPr>
+          </a:p>
+          <a:p>
+            <a:pPr marL="457200" lvl="1" indent="-216000">
+              <a:lnSpc>
+                <a:spcPct val="100000"/>
+              </a:lnSpc>
+              <a:spcBef>
+                <a:spcPts val="320"/>
+              </a:spcBef>
+              <a:spcAft>
+                <a:spcPts val="544"/>
+              </a:spcAft>
+              <a:buClr>
+                <a:srgbClr val="000000"/>
+              </a:buClr>
+              <a:buSzPct val="80000"/>
+              <a:buFont typeface="Wingdings 3" charset="2"/>
+              <a:buChar char=""/>
+            </a:pPr>
+            <a:r>
+              <a:rPr lang="en-US" sz="1600" b="0" strike="noStrike" spc="-1" dirty="0">
+                <a:solidFill>
+                  <a:srgbClr val="000000"/>
+                </a:solidFill>
+                <a:latin typeface="Calibri"/>
+                <a:ea typeface="DejaVu Sans"/>
+              </a:rPr>
+              <a:t>Intro to factors</a:t>
+            </a:r>
+            <a:endParaRPr lang="en-GB" sz="1600" b="0" strike="noStrike" spc="-1" dirty="0">
+              <a:latin typeface="Arial"/>
+            </a:endParaRPr>
+          </a:p>
+          <a:p>
+            <a:pPr marL="457200" lvl="1" indent="-216000">
+              <a:lnSpc>
+                <a:spcPct val="100000"/>
+              </a:lnSpc>
+              <a:spcBef>
+                <a:spcPts val="320"/>
+              </a:spcBef>
+              <a:spcAft>
+                <a:spcPts val="544"/>
+              </a:spcAft>
+              <a:buClr>
+                <a:srgbClr val="000000"/>
+              </a:buClr>
+              <a:buSzPct val="80000"/>
+              <a:buFont typeface="Wingdings 3" charset="2"/>
+              <a:buChar char=""/>
+            </a:pPr>
+            <a:r>
+              <a:rPr lang="en-US" sz="1600" b="0" strike="noStrike" spc="-1" dirty="0">
+                <a:solidFill>
+                  <a:srgbClr val="000000"/>
+                </a:solidFill>
+                <a:latin typeface="Calibri"/>
+                <a:ea typeface="DejaVu Sans"/>
+              </a:rPr>
+              <a:t>Reshaping </a:t>
+            </a:r>
+            <a:r>
+              <a:rPr lang="en-US" sz="1600" b="0" strike="noStrike" spc="-1" dirty="0" err="1">
+                <a:solidFill>
+                  <a:srgbClr val="000000"/>
+                </a:solidFill>
+                <a:latin typeface="Calibri"/>
+                <a:ea typeface="DejaVu Sans"/>
+              </a:rPr>
+              <a:t>data.frames</a:t>
+            </a:r>
+            <a:endParaRPr lang="en-GB" sz="1600" b="0" strike="noStrike" spc="-1" dirty="0">
+              <a:latin typeface="Arial"/>
+            </a:endParaRPr>
+          </a:p>
+          <a:p>
+            <a:pPr marL="457200" lvl="1" indent="-216000">
+              <a:lnSpc>
+                <a:spcPct val="100000"/>
+              </a:lnSpc>
+              <a:spcBef>
+                <a:spcPts val="320"/>
+              </a:spcBef>
+              <a:spcAft>
+                <a:spcPts val="544"/>
+              </a:spcAft>
+              <a:buClr>
+                <a:srgbClr val="000000"/>
+              </a:buClr>
+              <a:buSzPct val="80000"/>
+              <a:buFont typeface="Wingdings 3" charset="2"/>
+              <a:buChar char=""/>
+            </a:pPr>
+            <a:r>
+              <a:rPr lang="en-US" sz="1600" b="0" strike="noStrike" spc="-1" dirty="0">
+                <a:solidFill>
+                  <a:srgbClr val="000000"/>
+                </a:solidFill>
+                <a:latin typeface="Calibri"/>
+                <a:ea typeface="DejaVu Sans"/>
+              </a:rPr>
+              <a:t>Plotting grouped data - Dot/box/bar plots</a:t>
+            </a:r>
+          </a:p>
+          <a:p>
+            <a:pPr marL="457200" lvl="1" indent="-216000">
+              <a:lnSpc>
+                <a:spcPct val="100000"/>
+              </a:lnSpc>
+              <a:spcBef>
+                <a:spcPts val="320"/>
+              </a:spcBef>
+              <a:spcAft>
+                <a:spcPts val="544"/>
+              </a:spcAft>
+              <a:buClr>
+                <a:srgbClr val="000000"/>
+              </a:buClr>
+              <a:buSzPct val="80000"/>
+              <a:buFont typeface="Wingdings 3" charset="2"/>
+              <a:buChar char=""/>
+            </a:pPr>
+            <a:r>
+              <a:rPr lang="en-US" sz="1600" spc="-1" dirty="0">
+                <a:solidFill>
+                  <a:srgbClr val="000000"/>
+                </a:solidFill>
+                <a:latin typeface="Calibri"/>
+              </a:rPr>
+              <a:t>Calculating and adding statistics to the plots</a:t>
+            </a:r>
+            <a:endParaRPr lang="en-GB" sz="1600" b="0" strike="noStrike" spc="-1" dirty="0">
+              <a:latin typeface="Arial"/>
+            </a:endParaRPr>
+          </a:p>
+          <a:p>
+            <a:pPr marL="457200" lvl="1" indent="-216000">
+              <a:lnSpc>
+                <a:spcPct val="100000"/>
+              </a:lnSpc>
+              <a:spcBef>
+                <a:spcPts val="320"/>
+              </a:spcBef>
+              <a:spcAft>
+                <a:spcPts val="544"/>
+              </a:spcAft>
+              <a:buClr>
+                <a:srgbClr val="000000"/>
+              </a:buClr>
+              <a:buSzPct val="80000"/>
+              <a:buFont typeface="Wingdings 3" charset="2"/>
+              <a:buChar char=""/>
+            </a:pPr>
+            <a:r>
+              <a:rPr lang="en-US" sz="1600" b="0" strike="noStrike" spc="-1" dirty="0" err="1">
+                <a:solidFill>
+                  <a:srgbClr val="000000"/>
+                </a:solidFill>
+                <a:latin typeface="Calibri"/>
+                <a:ea typeface="DejaVu Sans"/>
+              </a:rPr>
+              <a:t>Practical</a:t>
+            </a:r>
+            <a:r>
+              <a:rPr lang="en-US" sz="1600" spc="-1" dirty="0" err="1">
+                <a:solidFill>
+                  <a:srgbClr val="000000"/>
+                </a:solidFill>
+                <a:latin typeface="Calibri"/>
+                <a:ea typeface="DejaVu Sans"/>
+              </a:rPr>
+              <a:t>s</a:t>
+            </a:r>
+            <a:endParaRPr lang="en-GB" sz="1600" b="0" strike="noStrike" spc="-1" dirty="0">
+              <a:latin typeface="Arial"/>
+            </a:endParaRPr>
+          </a:p>
+          <a:p>
+            <a:pPr marL="914400" lvl="2" indent="-215640">
+              <a:lnSpc>
+                <a:spcPct val="100000"/>
+              </a:lnSpc>
+              <a:spcBef>
+                <a:spcPts val="320"/>
+              </a:spcBef>
+              <a:spcAft>
+                <a:spcPts val="544"/>
+              </a:spcAft>
+              <a:buClr>
+                <a:srgbClr val="000000"/>
+              </a:buClr>
+              <a:buSzPct val="80000"/>
+              <a:buFont typeface="Wingdings 3" charset="2"/>
+              <a:buChar char=""/>
+            </a:pPr>
+            <a:r>
+              <a:rPr lang="en-US" sz="1600" b="0" strike="noStrike" spc="-1" dirty="0">
+                <a:solidFill>
+                  <a:srgbClr val="000000"/>
+                </a:solidFill>
+                <a:latin typeface="Calibri"/>
+                <a:ea typeface="DejaVu Sans"/>
+              </a:rPr>
+              <a:t>OWID Covid data</a:t>
+            </a:r>
+          </a:p>
+          <a:p>
+            <a:pPr marL="914400" lvl="2" indent="-215640">
+              <a:lnSpc>
+                <a:spcPct val="100000"/>
+              </a:lnSpc>
+              <a:spcBef>
+                <a:spcPts val="320"/>
+              </a:spcBef>
+              <a:spcAft>
+                <a:spcPts val="544"/>
+              </a:spcAft>
+              <a:buClr>
+                <a:srgbClr val="000000"/>
+              </a:buClr>
+              <a:buSzPct val="80000"/>
+              <a:buFont typeface="Wingdings 3" charset="2"/>
+              <a:buChar char=""/>
+            </a:pPr>
+            <a:r>
+              <a:rPr lang="en-US" sz="1600" b="0" strike="noStrike" spc="-1" dirty="0">
+                <a:solidFill>
+                  <a:srgbClr val="000000"/>
+                </a:solidFill>
+                <a:latin typeface="Calibri"/>
+                <a:ea typeface="DejaVu Sans"/>
+              </a:rPr>
+              <a:t>Covid vaccine data</a:t>
+            </a:r>
+          </a:p>
+          <a:p>
+            <a:pPr indent="-215640">
+              <a:spcBef>
+                <a:spcPts val="320"/>
+              </a:spcBef>
+              <a:spcAft>
+                <a:spcPts val="544"/>
+              </a:spcAft>
+              <a:buClr>
+                <a:srgbClr val="000000"/>
+              </a:buClr>
+              <a:buSzPct val="80000"/>
+            </a:pPr>
+            <a:endParaRPr lang="en-US" sz="1600" spc="-1" dirty="0">
+              <a:solidFill>
+                <a:srgbClr val="000000"/>
+              </a:solidFill>
+              <a:latin typeface="Calibri"/>
+            </a:endParaRPr>
+          </a:p>
+          <a:p>
+            <a:pPr indent="-215640">
+              <a:spcBef>
+                <a:spcPts val="320"/>
+              </a:spcBef>
+              <a:spcAft>
+                <a:spcPts val="544"/>
+              </a:spcAft>
+              <a:buClr>
+                <a:srgbClr val="000000"/>
+              </a:buClr>
+              <a:buSzPct val="80000"/>
+            </a:pPr>
+            <a:r>
+              <a:rPr lang="en-US" sz="1600" b="0" strike="noStrike" spc="-1" dirty="0">
+                <a:solidFill>
+                  <a:srgbClr val="000000"/>
+                </a:solidFill>
+                <a:latin typeface="Calibri"/>
+              </a:rPr>
+              <a:t>GitHub repository: </a:t>
+            </a:r>
+            <a:r>
+              <a:rPr lang="en-US" sz="1600" b="0" strike="noStrike" spc="-1" dirty="0">
+                <a:solidFill>
+                  <a:srgbClr val="000000"/>
+                </a:solidFill>
+                <a:latin typeface="Calibri"/>
+                <a:hlinkClick r:id="rId2"/>
+              </a:rPr>
+              <a:t>https://github.com/Chelysheva/data_vis_ggplot2_June2025</a:t>
+            </a:r>
+            <a:r>
+              <a:rPr lang="en-US" sz="1600" b="0" strike="noStrike" spc="-1" dirty="0">
+                <a:solidFill>
+                  <a:srgbClr val="000000"/>
+                </a:solidFill>
+                <a:latin typeface="Calibri"/>
+              </a:rPr>
+              <a:t> </a:t>
+            </a:r>
+            <a:endParaRPr lang="en-GB" sz="1600" b="0" strike="noStrike" spc="-1" dirty="0">
+              <a:latin typeface="Arial"/>
+            </a:endParaRPr>
+          </a:p>
+        </p:txBody>
+      </p:sp>
+      <p:sp>
+        <p:nvSpPr>
+          <p:cNvPr id="3" name="Title 1">
+            <a:extLst>
+              <a:ext uri="{FF2B5EF4-FFF2-40B4-BE49-F238E27FC236}">
+                <a16:creationId xmlns:a16="http://schemas.microsoft.com/office/drawing/2014/main" id="{57A09486-736A-6764-EA03-4901C7983241}"/>
+              </a:ext>
+            </a:extLst>
+          </p:cNvPr>
+          <p:cNvSpPr txBox="1">
+            <a:spLocks/>
+          </p:cNvSpPr>
+          <p:nvPr/>
+        </p:nvSpPr>
+        <p:spPr>
+          <a:xfrm>
+            <a:off x="521208" y="978408"/>
+            <a:ext cx="11155680" cy="1463040"/>
+          </a:xfrm>
+          <a:prstGeom prst="rect">
+            <a:avLst/>
+          </a:prstGeom>
+        </p:spPr>
+        <p:txBody>
+          <a:bodyPr/>
+          <a:lstStyle>
+            <a:lvl1pPr algn="l" defTabSz="914400" rtl="0" eaLnBrk="1" latinLnBrk="0" hangingPunct="1">
+              <a:lnSpc>
+                <a:spcPct val="100000"/>
+              </a:lnSpc>
+              <a:spcBef>
+                <a:spcPct val="0"/>
+              </a:spcBef>
+              <a:buNone/>
+              <a:defRPr sz="4400" b="1" kern="1200">
+                <a:solidFill>
+                  <a:schemeClr val="tx1"/>
+                </a:solidFill>
+                <a:latin typeface="+mj-lt"/>
+                <a:ea typeface="+mj-ea"/>
+                <a:cs typeface="+mj-cs"/>
+              </a:defRPr>
+            </a:lvl1pPr>
+          </a:lstStyle>
+          <a:p>
+            <a:r>
+              <a:rPr lang="en-US">
+                <a:latin typeface="Calibri" panose="020F0502020204030204" pitchFamily="34" charset="0"/>
+                <a:cs typeface="Calibri" panose="020F0502020204030204" pitchFamily="34" charset="0"/>
+              </a:rPr>
+              <a:t>Today’s plan</a:t>
+            </a:r>
+            <a:endParaRPr lang="en-US" dirty="0">
+              <a:latin typeface="Calibri" panose="020F0502020204030204" pitchFamily="34" charset="0"/>
+              <a:cs typeface="Calibri" panose="020F0502020204030204" pitchFamily="34" charset="0"/>
+            </a:endParaRPr>
+          </a:p>
+        </p:txBody>
+      </p:sp>
+    </p:spTree>
+    <p:extLst>
+      <p:ext uri="{BB962C8B-B14F-4D97-AF65-F5344CB8AC3E}">
+        <p14:creationId xmlns:p14="http://schemas.microsoft.com/office/powerpoint/2010/main" val="415017106"/>
+      </p:ext>
+    </p:extLst>
+  </p:cSld>
+  <p:clrMapOvr>
+    <a:masterClrMapping/>
+  </p:clrMapOvr>
+</p:sld>
+</file>
+
+<file path=ppt/slides/slide20.xml><?xml version="1.0" encoding="utf-8"?>
 <p:sld xmlns:a="http://schemas.openxmlformats.org/drawingml/2006/main" xmlns:r="http://schemas.openxmlformats.org/officeDocument/2006/relationships" xmlns:p="http://schemas.openxmlformats.org/presentationml/2006/main">
   <p:cSld>
     <p:spTree>
@@ -9501,577 +10542,7 @@
 </p:sld>
 </file>
 
-<file path=ppt/slides/slide2.xml><?xml version="1.0" encoding="utf-8"?>
-<p:sld xmlns:a="http://schemas.openxmlformats.org/drawingml/2006/main" xmlns:r="http://schemas.openxmlformats.org/officeDocument/2006/relationships" xmlns:p="http://schemas.openxmlformats.org/presentationml/2006/main">
-  <p:cSld>
-    <p:spTree>
-      <p:nvGrpSpPr>
-        <p:cNvPr id="1" name=""/>
-        <p:cNvGrpSpPr/>
-        <p:nvPr/>
-      </p:nvGrpSpPr>
-      <p:grpSpPr>
-        <a:xfrm>
-          <a:off x="0" y="0"/>
-          <a:ext cx="0" cy="0"/>
-          <a:chOff x="0" y="0"/>
-          <a:chExt cx="0" cy="0"/>
-        </a:xfrm>
-      </p:grpSpPr>
-      <p:sp>
-        <p:nvSpPr>
-          <p:cNvPr id="2" name="CustomShape 2">
-            <a:extLst>
-              <a:ext uri="{FF2B5EF4-FFF2-40B4-BE49-F238E27FC236}">
-                <a16:creationId xmlns:a16="http://schemas.microsoft.com/office/drawing/2014/main" id="{F8D02884-8E2E-27CA-7DCD-6DCE968D87C7}"/>
-              </a:ext>
-            </a:extLst>
-          </p:cNvPr>
-          <p:cNvSpPr/>
-          <p:nvPr/>
-        </p:nvSpPr>
-        <p:spPr>
-          <a:xfrm>
-            <a:off x="1630497" y="1709928"/>
-            <a:ext cx="8619695" cy="4894920"/>
-          </a:xfrm>
-          <a:prstGeom prst="rect">
-            <a:avLst/>
-          </a:prstGeom>
-          <a:noFill/>
-          <a:ln>
-            <a:noFill/>
-          </a:ln>
-        </p:spPr>
-        <p:style>
-          <a:lnRef idx="0">
-            <a:scrgbClr r="0" g="0" b="0"/>
-          </a:lnRef>
-          <a:fillRef idx="0">
-            <a:scrgbClr r="0" g="0" b="0"/>
-          </a:fillRef>
-          <a:effectRef idx="0">
-            <a:scrgbClr r="0" g="0" b="0"/>
-          </a:effectRef>
-          <a:fontRef idx="minor"/>
-        </p:style>
-        <p:txBody>
-          <a:bodyPr lIns="82800" tIns="41400" rIns="82800" bIns="41400" anchor="ctr">
-            <a:normAutofit/>
-          </a:bodyPr>
-          <a:lstStyle/>
-          <a:p>
-            <a:pPr indent="-216000">
-              <a:lnSpc>
-                <a:spcPct val="100000"/>
-              </a:lnSpc>
-              <a:spcBef>
-                <a:spcPts val="320"/>
-              </a:spcBef>
-              <a:spcAft>
-                <a:spcPts val="544"/>
-              </a:spcAft>
-              <a:buClr>
-                <a:srgbClr val="000000"/>
-              </a:buClr>
-              <a:buSzPct val="80000"/>
-              <a:buFont typeface="Wingdings 3" charset="2"/>
-              <a:buChar char=""/>
-            </a:pPr>
-            <a:r>
-              <a:rPr lang="en-US" sz="1600" b="1" strike="noStrike" spc="-1" dirty="0">
-                <a:solidFill>
-                  <a:srgbClr val="000000"/>
-                </a:solidFill>
-                <a:latin typeface="Calibri"/>
-                <a:ea typeface="DejaVu Sans"/>
-              </a:rPr>
-              <a:t>Data </a:t>
-            </a:r>
-            <a:r>
-              <a:rPr lang="en-US" sz="1600" b="1" strike="noStrike" spc="-1" dirty="0" err="1">
-                <a:solidFill>
-                  <a:srgbClr val="000000"/>
-                </a:solidFill>
-                <a:latin typeface="Calibri"/>
-                <a:ea typeface="DejaVu Sans"/>
-              </a:rPr>
-              <a:t>Visualisation</a:t>
-            </a:r>
-            <a:endParaRPr lang="en-GB" sz="1600" b="0" strike="noStrike" spc="-1" dirty="0">
-              <a:latin typeface="Arial"/>
-            </a:endParaRPr>
-          </a:p>
-          <a:p>
-            <a:pPr marL="457200" lvl="1" indent="-216000">
-              <a:lnSpc>
-                <a:spcPct val="100000"/>
-              </a:lnSpc>
-              <a:spcBef>
-                <a:spcPts val="320"/>
-              </a:spcBef>
-              <a:spcAft>
-                <a:spcPts val="544"/>
-              </a:spcAft>
-              <a:buClr>
-                <a:srgbClr val="000000"/>
-              </a:buClr>
-              <a:buSzPct val="80000"/>
-              <a:buFont typeface="Wingdings 3" charset="2"/>
-              <a:buChar char=""/>
-            </a:pPr>
-            <a:r>
-              <a:rPr lang="en-US" sz="1600" b="0" strike="noStrike" spc="-1" dirty="0">
-                <a:solidFill>
-                  <a:srgbClr val="000000"/>
-                </a:solidFill>
-                <a:latin typeface="Calibri"/>
-                <a:ea typeface="DejaVu Sans"/>
-              </a:rPr>
-              <a:t>Intro to ggplot2</a:t>
-            </a:r>
-            <a:endParaRPr lang="en-GB" sz="1600" b="0" strike="noStrike" spc="-1" dirty="0">
-              <a:latin typeface="Arial"/>
-            </a:endParaRPr>
-          </a:p>
-          <a:p>
-            <a:pPr marL="457200" lvl="1" indent="-216000">
-              <a:lnSpc>
-                <a:spcPct val="100000"/>
-              </a:lnSpc>
-              <a:spcBef>
-                <a:spcPts val="320"/>
-              </a:spcBef>
-              <a:spcAft>
-                <a:spcPts val="544"/>
-              </a:spcAft>
-              <a:buClr>
-                <a:srgbClr val="000000"/>
-              </a:buClr>
-              <a:buSzPct val="80000"/>
-              <a:buFont typeface="Wingdings 3" charset="2"/>
-              <a:buChar char=""/>
-            </a:pPr>
-            <a:r>
-              <a:rPr lang="en-US" sz="1600" b="0" strike="noStrike" spc="-1" dirty="0">
-                <a:solidFill>
-                  <a:srgbClr val="000000"/>
-                </a:solidFill>
-                <a:latin typeface="Calibri"/>
-                <a:ea typeface="DejaVu Sans"/>
-              </a:rPr>
-              <a:t>Base R plotting vs ggplot2</a:t>
-            </a:r>
-            <a:endParaRPr lang="en-GB" sz="1600" b="0" strike="noStrike" spc="-1" dirty="0">
-              <a:latin typeface="Arial"/>
-            </a:endParaRPr>
-          </a:p>
-          <a:p>
-            <a:pPr marL="457200" lvl="1" indent="-216000">
-              <a:lnSpc>
-                <a:spcPct val="100000"/>
-              </a:lnSpc>
-              <a:spcBef>
-                <a:spcPts val="320"/>
-              </a:spcBef>
-              <a:spcAft>
-                <a:spcPts val="544"/>
-              </a:spcAft>
-              <a:buClr>
-                <a:srgbClr val="000000"/>
-              </a:buClr>
-              <a:buSzPct val="80000"/>
-              <a:buFont typeface="Wingdings 3" charset="2"/>
-              <a:buChar char=""/>
-            </a:pPr>
-            <a:r>
-              <a:rPr lang="en-US" sz="1600" b="0" strike="noStrike" spc="-1" dirty="0">
-                <a:solidFill>
-                  <a:srgbClr val="000000"/>
-                </a:solidFill>
-                <a:latin typeface="Calibri"/>
-                <a:ea typeface="DejaVu Sans"/>
-              </a:rPr>
-              <a:t>ggplot2 syntax</a:t>
-            </a:r>
-            <a:endParaRPr lang="en-GB" sz="1600" b="0" strike="noStrike" spc="-1" dirty="0">
-              <a:latin typeface="Arial"/>
-            </a:endParaRPr>
-          </a:p>
-          <a:p>
-            <a:pPr marL="457200" lvl="1" indent="-216000">
-              <a:lnSpc>
-                <a:spcPct val="100000"/>
-              </a:lnSpc>
-              <a:spcBef>
-                <a:spcPts val="320"/>
-              </a:spcBef>
-              <a:spcAft>
-                <a:spcPts val="544"/>
-              </a:spcAft>
-              <a:buClr>
-                <a:srgbClr val="000000"/>
-              </a:buClr>
-              <a:buSzPct val="80000"/>
-              <a:buFont typeface="Wingdings 3" charset="2"/>
-              <a:buChar char=""/>
-            </a:pPr>
-            <a:r>
-              <a:rPr lang="en-US" sz="1600" b="0" strike="noStrike" spc="-1" dirty="0">
-                <a:solidFill>
-                  <a:srgbClr val="000000"/>
-                </a:solidFill>
-                <a:latin typeface="Calibri"/>
-                <a:ea typeface="DejaVu Sans"/>
-              </a:rPr>
-              <a:t>Intro to factors</a:t>
-            </a:r>
-            <a:endParaRPr lang="en-GB" sz="1600" b="0" strike="noStrike" spc="-1" dirty="0">
-              <a:latin typeface="Arial"/>
-            </a:endParaRPr>
-          </a:p>
-          <a:p>
-            <a:pPr marL="457200" lvl="1" indent="-216000">
-              <a:lnSpc>
-                <a:spcPct val="100000"/>
-              </a:lnSpc>
-              <a:spcBef>
-                <a:spcPts val="320"/>
-              </a:spcBef>
-              <a:spcAft>
-                <a:spcPts val="544"/>
-              </a:spcAft>
-              <a:buClr>
-                <a:srgbClr val="000000"/>
-              </a:buClr>
-              <a:buSzPct val="80000"/>
-              <a:buFont typeface="Wingdings 3" charset="2"/>
-              <a:buChar char=""/>
-            </a:pPr>
-            <a:r>
-              <a:rPr lang="en-US" sz="1600" b="0" strike="noStrike" spc="-1" dirty="0">
-                <a:solidFill>
-                  <a:srgbClr val="000000"/>
-                </a:solidFill>
-                <a:latin typeface="Calibri"/>
-                <a:ea typeface="DejaVu Sans"/>
-              </a:rPr>
-              <a:t>Reshaping </a:t>
-            </a:r>
-            <a:r>
-              <a:rPr lang="en-US" sz="1600" b="0" strike="noStrike" spc="-1" dirty="0" err="1">
-                <a:solidFill>
-                  <a:srgbClr val="000000"/>
-                </a:solidFill>
-                <a:latin typeface="Calibri"/>
-                <a:ea typeface="DejaVu Sans"/>
-              </a:rPr>
-              <a:t>data.frames</a:t>
-            </a:r>
-            <a:endParaRPr lang="en-GB" sz="1600" b="0" strike="noStrike" spc="-1" dirty="0">
-              <a:latin typeface="Arial"/>
-            </a:endParaRPr>
-          </a:p>
-          <a:p>
-            <a:pPr marL="457200" lvl="1" indent="-216000">
-              <a:lnSpc>
-                <a:spcPct val="100000"/>
-              </a:lnSpc>
-              <a:spcBef>
-                <a:spcPts val="320"/>
-              </a:spcBef>
-              <a:spcAft>
-                <a:spcPts val="544"/>
-              </a:spcAft>
-              <a:buClr>
-                <a:srgbClr val="000000"/>
-              </a:buClr>
-              <a:buSzPct val="80000"/>
-              <a:buFont typeface="Wingdings 3" charset="2"/>
-              <a:buChar char=""/>
-            </a:pPr>
-            <a:r>
-              <a:rPr lang="en-US" sz="1600" b="0" strike="noStrike" spc="-1" dirty="0">
-                <a:solidFill>
-                  <a:srgbClr val="000000"/>
-                </a:solidFill>
-                <a:latin typeface="Calibri"/>
-                <a:ea typeface="DejaVu Sans"/>
-              </a:rPr>
-              <a:t>Plotting grouped data - Dot/box/bar plots</a:t>
-            </a:r>
-          </a:p>
-          <a:p>
-            <a:pPr marL="457200" lvl="1" indent="-216000">
-              <a:lnSpc>
-                <a:spcPct val="100000"/>
-              </a:lnSpc>
-              <a:spcBef>
-                <a:spcPts val="320"/>
-              </a:spcBef>
-              <a:spcAft>
-                <a:spcPts val="544"/>
-              </a:spcAft>
-              <a:buClr>
-                <a:srgbClr val="000000"/>
-              </a:buClr>
-              <a:buSzPct val="80000"/>
-              <a:buFont typeface="Wingdings 3" charset="2"/>
-              <a:buChar char=""/>
-            </a:pPr>
-            <a:r>
-              <a:rPr lang="en-US" sz="1600" spc="-1" dirty="0">
-                <a:solidFill>
-                  <a:srgbClr val="000000"/>
-                </a:solidFill>
-                <a:latin typeface="Calibri"/>
-              </a:rPr>
-              <a:t>Calculating and adding statistics to the plots</a:t>
-            </a:r>
-            <a:endParaRPr lang="en-GB" sz="1600" b="0" strike="noStrike" spc="-1" dirty="0">
-              <a:latin typeface="Arial"/>
-            </a:endParaRPr>
-          </a:p>
-          <a:p>
-            <a:pPr marL="457200" lvl="1" indent="-216000">
-              <a:lnSpc>
-                <a:spcPct val="100000"/>
-              </a:lnSpc>
-              <a:spcBef>
-                <a:spcPts val="320"/>
-              </a:spcBef>
-              <a:spcAft>
-                <a:spcPts val="544"/>
-              </a:spcAft>
-              <a:buClr>
-                <a:srgbClr val="000000"/>
-              </a:buClr>
-              <a:buSzPct val="80000"/>
-              <a:buFont typeface="Wingdings 3" charset="2"/>
-              <a:buChar char=""/>
-            </a:pPr>
-            <a:r>
-              <a:rPr lang="en-US" sz="1600" b="0" strike="noStrike" spc="-1" dirty="0" err="1">
-                <a:solidFill>
-                  <a:srgbClr val="000000"/>
-                </a:solidFill>
-                <a:latin typeface="Calibri"/>
-                <a:ea typeface="DejaVu Sans"/>
-              </a:rPr>
-              <a:t>Practical</a:t>
-            </a:r>
-            <a:r>
-              <a:rPr lang="en-US" sz="1600" spc="-1" dirty="0" err="1">
-                <a:solidFill>
-                  <a:srgbClr val="000000"/>
-                </a:solidFill>
-                <a:latin typeface="Calibri"/>
-                <a:ea typeface="DejaVu Sans"/>
-              </a:rPr>
-              <a:t>s</a:t>
-            </a:r>
-            <a:endParaRPr lang="en-GB" sz="1600" b="0" strike="noStrike" spc="-1" dirty="0">
-              <a:latin typeface="Arial"/>
-            </a:endParaRPr>
-          </a:p>
-          <a:p>
-            <a:pPr marL="914400" lvl="2" indent="-215640">
-              <a:lnSpc>
-                <a:spcPct val="100000"/>
-              </a:lnSpc>
-              <a:spcBef>
-                <a:spcPts val="320"/>
-              </a:spcBef>
-              <a:spcAft>
-                <a:spcPts val="544"/>
-              </a:spcAft>
-              <a:buClr>
-                <a:srgbClr val="000000"/>
-              </a:buClr>
-              <a:buSzPct val="80000"/>
-              <a:buFont typeface="Wingdings 3" charset="2"/>
-              <a:buChar char=""/>
-            </a:pPr>
-            <a:r>
-              <a:rPr lang="en-US" sz="1600" b="0" strike="noStrike" spc="-1" dirty="0">
-                <a:solidFill>
-                  <a:srgbClr val="000000"/>
-                </a:solidFill>
-                <a:latin typeface="Calibri"/>
-                <a:ea typeface="DejaVu Sans"/>
-              </a:rPr>
-              <a:t>OWID Covid data</a:t>
-            </a:r>
-          </a:p>
-          <a:p>
-            <a:pPr marL="914400" lvl="2" indent="-215640">
-              <a:lnSpc>
-                <a:spcPct val="100000"/>
-              </a:lnSpc>
-              <a:spcBef>
-                <a:spcPts val="320"/>
-              </a:spcBef>
-              <a:spcAft>
-                <a:spcPts val="544"/>
-              </a:spcAft>
-              <a:buClr>
-                <a:srgbClr val="000000"/>
-              </a:buClr>
-              <a:buSzPct val="80000"/>
-              <a:buFont typeface="Wingdings 3" charset="2"/>
-              <a:buChar char=""/>
-            </a:pPr>
-            <a:r>
-              <a:rPr lang="en-US" sz="1600" b="0" strike="noStrike" spc="-1" dirty="0">
-                <a:solidFill>
-                  <a:srgbClr val="000000"/>
-                </a:solidFill>
-                <a:latin typeface="Calibri"/>
-                <a:ea typeface="DejaVu Sans"/>
-              </a:rPr>
-              <a:t>Covid vaccine data</a:t>
-            </a:r>
-          </a:p>
-          <a:p>
-            <a:pPr indent="-215640">
-              <a:spcBef>
-                <a:spcPts val="320"/>
-              </a:spcBef>
-              <a:spcAft>
-                <a:spcPts val="544"/>
-              </a:spcAft>
-              <a:buClr>
-                <a:srgbClr val="000000"/>
-              </a:buClr>
-              <a:buSzPct val="80000"/>
-            </a:pPr>
-            <a:endParaRPr lang="en-US" sz="1600" spc="-1" dirty="0">
-              <a:solidFill>
-                <a:srgbClr val="000000"/>
-              </a:solidFill>
-              <a:latin typeface="Calibri"/>
-            </a:endParaRPr>
-          </a:p>
-          <a:p>
-            <a:pPr indent="-215640">
-              <a:spcBef>
-                <a:spcPts val="320"/>
-              </a:spcBef>
-              <a:spcAft>
-                <a:spcPts val="544"/>
-              </a:spcAft>
-              <a:buClr>
-                <a:srgbClr val="000000"/>
-              </a:buClr>
-              <a:buSzPct val="80000"/>
-            </a:pPr>
-            <a:r>
-              <a:rPr lang="en-US" sz="1600" b="0" strike="noStrike" spc="-1" dirty="0">
-                <a:solidFill>
-                  <a:srgbClr val="000000"/>
-                </a:solidFill>
-                <a:latin typeface="Calibri"/>
-              </a:rPr>
-              <a:t>GitHub repository: </a:t>
-            </a:r>
-            <a:r>
-              <a:rPr lang="en-US" sz="1600" b="0" strike="noStrike" spc="-1" dirty="0">
-                <a:solidFill>
-                  <a:srgbClr val="000000"/>
-                </a:solidFill>
-                <a:latin typeface="Calibri"/>
-                <a:hlinkClick r:id="rId2"/>
-              </a:rPr>
-              <a:t>https://github.com/Chelysheva/data_vis_ggplot2_June2025</a:t>
-            </a:r>
-            <a:r>
-              <a:rPr lang="en-US" sz="1600" b="0" strike="noStrike" spc="-1" dirty="0">
-                <a:solidFill>
-                  <a:srgbClr val="000000"/>
-                </a:solidFill>
-                <a:latin typeface="Calibri"/>
-              </a:rPr>
-              <a:t> </a:t>
-            </a:r>
-            <a:endParaRPr lang="en-GB" sz="1600" b="0" strike="noStrike" spc="-1" dirty="0">
-              <a:latin typeface="Arial"/>
-            </a:endParaRPr>
-          </a:p>
-        </p:txBody>
-      </p:sp>
-      <p:sp>
-        <p:nvSpPr>
-          <p:cNvPr id="3" name="Title 1">
-            <a:extLst>
-              <a:ext uri="{FF2B5EF4-FFF2-40B4-BE49-F238E27FC236}">
-                <a16:creationId xmlns:a16="http://schemas.microsoft.com/office/drawing/2014/main" id="{57A09486-736A-6764-EA03-4901C7983241}"/>
-              </a:ext>
-            </a:extLst>
-          </p:cNvPr>
-          <p:cNvSpPr txBox="1">
-            <a:spLocks/>
-          </p:cNvSpPr>
-          <p:nvPr/>
-        </p:nvSpPr>
-        <p:spPr>
-          <a:xfrm>
-            <a:off x="521208" y="978408"/>
-            <a:ext cx="11155680" cy="1463040"/>
-          </a:xfrm>
-          <a:prstGeom prst="rect">
-            <a:avLst/>
-          </a:prstGeom>
-        </p:spPr>
-        <p:txBody>
-          <a:bodyPr/>
-          <a:lstStyle>
-            <a:lvl1pPr algn="l" defTabSz="914400" rtl="0" eaLnBrk="1" latinLnBrk="0" hangingPunct="1">
-              <a:lnSpc>
-                <a:spcPct val="100000"/>
-              </a:lnSpc>
-              <a:spcBef>
-                <a:spcPct val="0"/>
-              </a:spcBef>
-              <a:buNone/>
-              <a:defRPr sz="4400" b="1" kern="1200">
-                <a:solidFill>
-                  <a:schemeClr val="tx1"/>
-                </a:solidFill>
-                <a:latin typeface="+mj-lt"/>
-                <a:ea typeface="+mj-ea"/>
-                <a:cs typeface="+mj-cs"/>
-              </a:defRPr>
-            </a:lvl1pPr>
-          </a:lstStyle>
-          <a:p>
-            <a:r>
-              <a:rPr lang="en-US">
-                <a:latin typeface="Calibri" panose="020F0502020204030204" pitchFamily="34" charset="0"/>
-                <a:cs typeface="Calibri" panose="020F0502020204030204" pitchFamily="34" charset="0"/>
-              </a:rPr>
-              <a:t>Today’s plan</a:t>
-            </a:r>
-            <a:endParaRPr lang="en-US" dirty="0">
-              <a:latin typeface="Calibri" panose="020F0502020204030204" pitchFamily="34" charset="0"/>
-              <a:cs typeface="Calibri" panose="020F0502020204030204" pitchFamily="34" charset="0"/>
-            </a:endParaRPr>
-          </a:p>
-        </p:txBody>
-      </p:sp>
-    </p:spTree>
-    <p:extLst>
-      <p:ext uri="{BB962C8B-B14F-4D97-AF65-F5344CB8AC3E}">
-        <p14:creationId xmlns:p14="http://schemas.microsoft.com/office/powerpoint/2010/main" val="415017106"/>
-      </p:ext>
-    </p:extLst>
-  </p:cSld>
-  <p:clrMapOvr>
-    <a:masterClrMapping/>
-  </p:clrMapOvr>
-</p:sld>
-</file>
-
-<file path=ppt/slides/slide20.xml><?xml version="1.0" encoding="utf-8"?>
+<file path=ppt/slides/slide21.xml><?xml version="1.0" encoding="utf-8"?>
 <p:sld xmlns:a="http://schemas.openxmlformats.org/drawingml/2006/main" xmlns:r="http://schemas.openxmlformats.org/officeDocument/2006/relationships" xmlns:p="http://schemas.openxmlformats.org/presentationml/2006/main">
   <p:cSld>
     <p:spTree>
@@ -10428,7 +10899,7 @@
 </p:sld>
 </file>
 
-<file path=ppt/slides/slide21.xml><?xml version="1.0" encoding="utf-8"?>
+<file path=ppt/slides/slide22.xml><?xml version="1.0" encoding="utf-8"?>
 <p:sld xmlns:a="http://schemas.openxmlformats.org/drawingml/2006/main" xmlns:r="http://schemas.openxmlformats.org/officeDocument/2006/relationships" xmlns:p="http://schemas.openxmlformats.org/presentationml/2006/main">
   <p:cSld>
     <p:spTree>
@@ -14381,6 +14852,148 @@
         <p:cNvPr id="1" name="">
           <a:extLst>
             <a:ext uri="{FF2B5EF4-FFF2-40B4-BE49-F238E27FC236}">
+              <a16:creationId xmlns:a16="http://schemas.microsoft.com/office/drawing/2014/main" id="{5F746E16-0860-B5C9-9C94-074DF328D44A}"/>
+            </a:ext>
+          </a:extLst>
+        </p:cNvPr>
+        <p:cNvGrpSpPr/>
+        <p:nvPr/>
+      </p:nvGrpSpPr>
+      <p:grpSpPr>
+        <a:xfrm>
+          <a:off x="0" y="0"/>
+          <a:ext cx="0" cy="0"/>
+          <a:chOff x="0" y="0"/>
+          <a:chExt cx="0" cy="0"/>
+        </a:xfrm>
+      </p:grpSpPr>
+      <p:pic>
+        <p:nvPicPr>
+          <p:cNvPr id="6" name="Picture 5">
+            <a:extLst>
+              <a:ext uri="{FF2B5EF4-FFF2-40B4-BE49-F238E27FC236}">
+                <a16:creationId xmlns:a16="http://schemas.microsoft.com/office/drawing/2014/main" id="{3DEFEBC8-8018-3D67-CF93-D4D2331BBDEA}"/>
+              </a:ext>
+            </a:extLst>
+          </p:cNvPr>
+          <p:cNvPicPr>
+            <a:picLocks noChangeAspect="1"/>
+          </p:cNvPicPr>
+          <p:nvPr/>
+        </p:nvPicPr>
+        <p:blipFill>
+          <a:blip r:embed="rId2"/>
+          <a:stretch>
+            <a:fillRect/>
+          </a:stretch>
+        </p:blipFill>
+        <p:spPr>
+          <a:xfrm>
+            <a:off x="1536746" y="475045"/>
+            <a:ext cx="9118507" cy="6382955"/>
+          </a:xfrm>
+          <a:prstGeom prst="rect">
+            <a:avLst/>
+          </a:prstGeom>
+        </p:spPr>
+      </p:pic>
+      <p:sp>
+        <p:nvSpPr>
+          <p:cNvPr id="189" name="CustomShape 1">
+            <a:extLst>
+              <a:ext uri="{FF2B5EF4-FFF2-40B4-BE49-F238E27FC236}">
+                <a16:creationId xmlns:a16="http://schemas.microsoft.com/office/drawing/2014/main" id="{B7B879EE-7528-1548-AADA-5AC1CCC923E7}"/>
+              </a:ext>
+            </a:extLst>
+          </p:cNvPr>
+          <p:cNvSpPr/>
+          <p:nvPr/>
+        </p:nvSpPr>
+        <p:spPr>
+          <a:xfrm>
+            <a:off x="1981560" y="-1440"/>
+            <a:ext cx="8228160" cy="1144080"/>
+          </a:xfrm>
+          <a:prstGeom prst="rect">
+            <a:avLst/>
+          </a:prstGeom>
+          <a:noFill/>
+          <a:ln>
+            <a:noFill/>
+          </a:ln>
+        </p:spPr>
+        <p:style>
+          <a:lnRef idx="0">
+            <a:scrgbClr r="0" g="0" b="0"/>
+          </a:lnRef>
+          <a:fillRef idx="0">
+            <a:scrgbClr r="0" g="0" b="0"/>
+          </a:fillRef>
+          <a:effectRef idx="0">
+            <a:scrgbClr r="0" g="0" b="0"/>
+          </a:effectRef>
+          <a:fontRef idx="minor"/>
+        </p:style>
+        <p:txBody>
+          <a:bodyPr lIns="0" tIns="0" rIns="0" bIns="0" anchor="ctr">
+            <a:noAutofit/>
+          </a:bodyPr>
+          <a:lstStyle/>
+          <a:p>
+            <a:pPr algn="ctr">
+              <a:lnSpc>
+                <a:spcPct val="100000"/>
+              </a:lnSpc>
+            </a:pPr>
+            <a:r>
+              <a:rPr lang="en-GB" sz="4400" b="1" spc="-1" dirty="0">
+                <a:solidFill>
+                  <a:srgbClr val="000000"/>
+                </a:solidFill>
+                <a:latin typeface="Calibri"/>
+                <a:ea typeface="DejaVu Sans"/>
+              </a:rPr>
+              <a:t>Colours in ggplot2</a:t>
+            </a:r>
+            <a:endParaRPr lang="en-GB" sz="4400" spc="-1" dirty="0">
+              <a:latin typeface="Arial"/>
+            </a:endParaRPr>
+          </a:p>
+        </p:txBody>
+      </p:sp>
+    </p:spTree>
+    <p:extLst>
+      <p:ext uri="{BB962C8B-B14F-4D97-AF65-F5344CB8AC3E}">
+        <p14:creationId xmlns:p14="http://schemas.microsoft.com/office/powerpoint/2010/main" val="1035554942"/>
+      </p:ext>
+    </p:extLst>
+  </p:cSld>
+  <p:clrMapOvr>
+    <a:masterClrMapping/>
+  </p:clrMapOvr>
+  <mc:AlternateContent xmlns:mc="http://schemas.openxmlformats.org/markup-compatibility/2006">
+    <mc:Choice xmlns:p14="http://schemas.microsoft.com/office/powerpoint/2010/main" Requires="p14">
+      <p:transition spd="med" p14:dur="700">
+        <p:fade/>
+      </p:transition>
+    </mc:Choice>
+    <mc:Fallback>
+      <p:transition spd="med">
+        <p:fade/>
+      </p:transition>
+    </mc:Fallback>
+  </mc:AlternateContent>
+</p:sld>
+</file>
+
+<file path=ppt/slides/slide8.xml><?xml version="1.0" encoding="utf-8"?>
+<p:sld xmlns:a="http://schemas.openxmlformats.org/drawingml/2006/main" xmlns:r="http://schemas.openxmlformats.org/officeDocument/2006/relationships" xmlns:p="http://schemas.openxmlformats.org/presentationml/2006/main">
+  <p:cSld>
+    <p:spTree>
+      <p:nvGrpSpPr>
+        <p:cNvPr id="1" name="">
+          <a:extLst>
+            <a:ext uri="{FF2B5EF4-FFF2-40B4-BE49-F238E27FC236}">
               <a16:creationId xmlns:a16="http://schemas.microsoft.com/office/drawing/2014/main" id="{8E1CA725-D9BC-3419-F355-169E8D131249}"/>
             </a:ext>
           </a:extLst>
@@ -14971,7 +15584,7 @@
 </p:sld>
 </file>
 
-<file path=ppt/slides/slide8.xml><?xml version="1.0" encoding="utf-8"?>
+<file path=ppt/slides/slide9.xml><?xml version="1.0" encoding="utf-8"?>
 <p:sld xmlns:a="http://schemas.openxmlformats.org/drawingml/2006/main" xmlns:r="http://schemas.openxmlformats.org/officeDocument/2006/relationships" xmlns:p="http://schemas.openxmlformats.org/presentationml/2006/main">
   <p:cSld>
     <p:spTree>
@@ -15179,476 +15792,6 @@
             <a:extLst>
               <a:ext uri="{FF2B5EF4-FFF2-40B4-BE49-F238E27FC236}">
                 <a16:creationId xmlns:a16="http://schemas.microsoft.com/office/drawing/2014/main" id="{3908ECED-FFAB-B0CC-21EA-7056BEEB9470}"/>
-              </a:ext>
-            </a:extLst>
-          </p:cNvPr>
-          <p:cNvSpPr/>
-          <p:nvPr/>
-        </p:nvSpPr>
-        <p:spPr>
-          <a:xfrm>
-            <a:off x="1981200" y="274680"/>
-            <a:ext cx="8228880" cy="1142280"/>
-          </a:xfrm>
-          <a:prstGeom prst="rect">
-            <a:avLst/>
-          </a:prstGeom>
-          <a:noFill/>
-          <a:ln>
-            <a:noFill/>
-          </a:ln>
-        </p:spPr>
-        <p:style>
-          <a:lnRef idx="0">
-            <a:scrgbClr r="0" g="0" b="0"/>
-          </a:lnRef>
-          <a:fillRef idx="0">
-            <a:scrgbClr r="0" g="0" b="0"/>
-          </a:fillRef>
-          <a:effectRef idx="0">
-            <a:scrgbClr r="0" g="0" b="0"/>
-          </a:effectRef>
-          <a:fontRef idx="minor"/>
-        </p:style>
-        <p:txBody>
-          <a:bodyPr lIns="90000" tIns="45000" rIns="90000" bIns="45000" anchor="ctr">
-            <a:noAutofit/>
-          </a:bodyPr>
-          <a:lstStyle/>
-          <a:p>
-            <a:pPr algn="ctr">
-              <a:lnSpc>
-                <a:spcPct val="100000"/>
-              </a:lnSpc>
-            </a:pPr>
-            <a:r>
-              <a:rPr lang="en-GB" sz="4400" b="1" spc="-1" dirty="0">
-                <a:solidFill>
-                  <a:srgbClr val="000000"/>
-                </a:solidFill>
-                <a:latin typeface="Calibri"/>
-                <a:ea typeface="DejaVu Sans"/>
-              </a:rPr>
-              <a:t>Plotting grouped data</a:t>
-            </a:r>
-            <a:endParaRPr lang="en-GB" sz="4400" b="1" spc="-1" dirty="0">
-              <a:latin typeface="Arial"/>
-            </a:endParaRPr>
-          </a:p>
-        </p:txBody>
-      </p:sp>
-    </p:spTree>
-  </p:cSld>
-  <p:clrMapOvr>
-    <a:masterClrMapping/>
-  </p:clrMapOvr>
-  <mc:AlternateContent xmlns:mc="http://schemas.openxmlformats.org/markup-compatibility/2006" xmlns:p14="http://schemas.microsoft.com/office/powerpoint/2010/main">
-    <mc:Choice Requires="p14">
-      <p:transition spd="med" p14:dur="700">
-        <p:fade/>
-      </p:transition>
-    </mc:Choice>
-    <mc:Fallback xmlns="">
-      <p:transition spd="med">
-        <p:fade/>
-      </p:transition>
-    </mc:Fallback>
-  </mc:AlternateContent>
-</p:sld>
-</file>
-
-<file path=ppt/slides/slide9.xml><?xml version="1.0" encoding="utf-8"?>
-<p:sld xmlns:a="http://schemas.openxmlformats.org/drawingml/2006/main" xmlns:r="http://schemas.openxmlformats.org/officeDocument/2006/relationships" xmlns:p="http://schemas.openxmlformats.org/presentationml/2006/main">
-  <p:cSld>
-    <p:spTree>
-      <p:nvGrpSpPr>
-        <p:cNvPr id="1" name=""/>
-        <p:cNvGrpSpPr/>
-        <p:nvPr/>
-      </p:nvGrpSpPr>
-      <p:grpSpPr>
-        <a:xfrm>
-          <a:off x="0" y="0"/>
-          <a:ext cx="0" cy="0"/>
-          <a:chOff x="0" y="0"/>
-          <a:chExt cx="0" cy="0"/>
-        </a:xfrm>
-      </p:grpSpPr>
-      <p:sp>
-        <p:nvSpPr>
-          <p:cNvPr id="213" name="CustomShape 2"/>
-          <p:cNvSpPr/>
-          <p:nvPr/>
-        </p:nvSpPr>
-        <p:spPr>
-          <a:xfrm>
-            <a:off x="1984440" y="1344960"/>
-            <a:ext cx="2742480" cy="395280"/>
-          </a:xfrm>
-          <a:prstGeom prst="rect">
-            <a:avLst/>
-          </a:prstGeom>
-          <a:noFill/>
-          <a:ln>
-            <a:noFill/>
-          </a:ln>
-        </p:spPr>
-        <p:style>
-          <a:lnRef idx="0">
-            <a:scrgbClr r="0" g="0" b="0"/>
-          </a:lnRef>
-          <a:fillRef idx="0">
-            <a:scrgbClr r="0" g="0" b="0"/>
-          </a:fillRef>
-          <a:effectRef idx="0">
-            <a:scrgbClr r="0" g="0" b="0"/>
-          </a:effectRef>
-          <a:fontRef idx="minor"/>
-        </p:style>
-        <p:txBody>
-          <a:bodyPr lIns="90000" tIns="45000" rIns="90000" bIns="45000">
-            <a:spAutoFit/>
-          </a:bodyPr>
-          <a:lstStyle/>
-          <a:p>
-            <a:pPr>
-              <a:lnSpc>
-                <a:spcPct val="100000"/>
-              </a:lnSpc>
-            </a:pPr>
-            <a:r>
-              <a:rPr lang="en-GB" sz="2000" b="1" spc="-1">
-                <a:solidFill>
-                  <a:srgbClr val="000000"/>
-                </a:solidFill>
-                <a:latin typeface="Calibri"/>
-                <a:ea typeface="DejaVu Sans"/>
-              </a:rPr>
-              <a:t>Bar plots</a:t>
-            </a:r>
-            <a:endParaRPr lang="en-GB" sz="2000" spc="-1">
-              <a:latin typeface="Arial"/>
-            </a:endParaRPr>
-          </a:p>
-        </p:txBody>
-      </p:sp>
-      <p:sp>
-        <p:nvSpPr>
-          <p:cNvPr id="214" name="CustomShape 3"/>
-          <p:cNvSpPr/>
-          <p:nvPr/>
-        </p:nvSpPr>
-        <p:spPr>
-          <a:xfrm>
-            <a:off x="1986240" y="1715040"/>
-            <a:ext cx="3854160" cy="364680"/>
-          </a:xfrm>
-          <a:prstGeom prst="rect">
-            <a:avLst/>
-          </a:prstGeom>
-          <a:noFill/>
-          <a:ln>
-            <a:noFill/>
-          </a:ln>
-        </p:spPr>
-        <p:style>
-          <a:lnRef idx="0">
-            <a:scrgbClr r="0" g="0" b="0"/>
-          </a:lnRef>
-          <a:fillRef idx="0">
-            <a:scrgbClr r="0" g="0" b="0"/>
-          </a:fillRef>
-          <a:effectRef idx="0">
-            <a:scrgbClr r="0" g="0" b="0"/>
-          </a:effectRef>
-          <a:fontRef idx="minor"/>
-        </p:style>
-        <p:txBody>
-          <a:bodyPr lIns="90000" tIns="45000" rIns="90000" bIns="45000">
-            <a:spAutoFit/>
-          </a:bodyPr>
-          <a:lstStyle/>
-          <a:p>
-            <a:pPr>
-              <a:lnSpc>
-                <a:spcPct val="100000"/>
-              </a:lnSpc>
-            </a:pPr>
-            <a:r>
-              <a:rPr lang="en-GB" spc="-1">
-                <a:solidFill>
-                  <a:srgbClr val="000000"/>
-                </a:solidFill>
-                <a:latin typeface="Courier New"/>
-                <a:ea typeface="DejaVu Sans"/>
-              </a:rPr>
-              <a:t>geom_bar(</a:t>
-            </a:r>
-            <a:r>
-              <a:rPr lang="en-GB" spc="-1">
-                <a:solidFill>
-                  <a:srgbClr val="000000"/>
-                </a:solidFill>
-                <a:latin typeface="Courier New"/>
-                <a:ea typeface="Calibri"/>
-              </a:rPr>
-              <a:t>position=...)</a:t>
-            </a:r>
-            <a:endParaRPr lang="en-GB" spc="-1">
-              <a:latin typeface="Arial"/>
-            </a:endParaRPr>
-          </a:p>
-        </p:txBody>
-      </p:sp>
-      <p:sp>
-        <p:nvSpPr>
-          <p:cNvPr id="215" name="CustomShape 4"/>
-          <p:cNvSpPr/>
-          <p:nvPr/>
-        </p:nvSpPr>
-        <p:spPr>
-          <a:xfrm>
-            <a:off x="7740480" y="5292720"/>
-            <a:ext cx="2633040" cy="364680"/>
-          </a:xfrm>
-          <a:prstGeom prst="rect">
-            <a:avLst/>
-          </a:prstGeom>
-          <a:noFill/>
-          <a:ln>
-            <a:noFill/>
-          </a:ln>
-        </p:spPr>
-        <p:style>
-          <a:lnRef idx="0">
-            <a:scrgbClr r="0" g="0" b="0"/>
-          </a:lnRef>
-          <a:fillRef idx="0">
-            <a:scrgbClr r="0" g="0" b="0"/>
-          </a:fillRef>
-          <a:effectRef idx="0">
-            <a:scrgbClr r="0" g="0" b="0"/>
-          </a:effectRef>
-          <a:fontRef idx="minor"/>
-        </p:style>
-        <p:txBody>
-          <a:bodyPr lIns="90000" tIns="45000" rIns="90000" bIns="45000">
-            <a:spAutoFit/>
-          </a:bodyPr>
-          <a:lstStyle/>
-          <a:p>
-            <a:pPr>
-              <a:lnSpc>
-                <a:spcPct val="100000"/>
-              </a:lnSpc>
-            </a:pPr>
-            <a:r>
-              <a:rPr lang="en-GB" spc="-1">
-                <a:solidFill>
-                  <a:srgbClr val="000000"/>
-                </a:solidFill>
-                <a:latin typeface="Courier New"/>
-                <a:ea typeface="Calibri"/>
-              </a:rPr>
-              <a:t>position="fill"</a:t>
-            </a:r>
-            <a:endParaRPr lang="en-GB" spc="-1">
-              <a:latin typeface="Arial"/>
-            </a:endParaRPr>
-          </a:p>
-        </p:txBody>
-      </p:sp>
-      <p:sp>
-        <p:nvSpPr>
-          <p:cNvPr id="216" name="CustomShape 5"/>
-          <p:cNvSpPr/>
-          <p:nvPr/>
-        </p:nvSpPr>
-        <p:spPr>
-          <a:xfrm>
-            <a:off x="4726200" y="5292720"/>
-            <a:ext cx="2476440" cy="364680"/>
-          </a:xfrm>
-          <a:prstGeom prst="rect">
-            <a:avLst/>
-          </a:prstGeom>
-          <a:noFill/>
-          <a:ln>
-            <a:noFill/>
-          </a:ln>
-        </p:spPr>
-        <p:style>
-          <a:lnRef idx="0">
-            <a:scrgbClr r="0" g="0" b="0"/>
-          </a:lnRef>
-          <a:fillRef idx="0">
-            <a:scrgbClr r="0" g="0" b="0"/>
-          </a:fillRef>
-          <a:effectRef idx="0">
-            <a:scrgbClr r="0" g="0" b="0"/>
-          </a:effectRef>
-          <a:fontRef idx="minor"/>
-        </p:style>
-        <p:txBody>
-          <a:bodyPr lIns="90000" tIns="45000" rIns="90000" bIns="45000">
-            <a:spAutoFit/>
-          </a:bodyPr>
-          <a:lstStyle/>
-          <a:p>
-            <a:pPr>
-              <a:lnSpc>
-                <a:spcPct val="100000"/>
-              </a:lnSpc>
-            </a:pPr>
-            <a:r>
-              <a:rPr lang="en-GB" spc="-1">
-                <a:solidFill>
-                  <a:srgbClr val="000000"/>
-                </a:solidFill>
-                <a:latin typeface="Courier New"/>
-                <a:ea typeface="Calibri"/>
-              </a:rPr>
-              <a:t>position="stack"</a:t>
-            </a:r>
-            <a:endParaRPr lang="en-GB" spc="-1">
-              <a:latin typeface="Arial"/>
-            </a:endParaRPr>
-          </a:p>
-        </p:txBody>
-      </p:sp>
-      <p:pic>
-        <p:nvPicPr>
-          <p:cNvPr id="217" name="Picture 8" descr="Chart, bar chart&#10;&#10;Description automatically generated"/>
-          <p:cNvPicPr/>
-          <p:nvPr/>
-        </p:nvPicPr>
-        <p:blipFill>
-          <a:blip r:embed="rId2"/>
-          <a:stretch/>
-        </p:blipFill>
-        <p:spPr>
-          <a:xfrm>
-            <a:off x="1827840" y="2550600"/>
-            <a:ext cx="2742480" cy="2742480"/>
-          </a:xfrm>
-          <a:prstGeom prst="rect">
-            <a:avLst/>
-          </a:prstGeom>
-          <a:ln>
-            <a:noFill/>
-          </a:ln>
-        </p:spPr>
-      </p:pic>
-      <p:pic>
-        <p:nvPicPr>
-          <p:cNvPr id="218" name="Picture 9" descr="Chart, bar chart&#10;&#10;Description automatically generated"/>
-          <p:cNvPicPr/>
-          <p:nvPr/>
-        </p:nvPicPr>
-        <p:blipFill>
-          <a:blip r:embed="rId3"/>
-          <a:stretch/>
-        </p:blipFill>
-        <p:spPr>
-          <a:xfrm>
-            <a:off x="4724400" y="2550600"/>
-            <a:ext cx="2742480" cy="2742480"/>
-          </a:xfrm>
-          <a:prstGeom prst="rect">
-            <a:avLst/>
-          </a:prstGeom>
-          <a:ln>
-            <a:noFill/>
-          </a:ln>
-        </p:spPr>
-      </p:pic>
-      <p:pic>
-        <p:nvPicPr>
-          <p:cNvPr id="219" name="Picture 10" descr="Chart, bar chart&#10;&#10;Description automatically generated"/>
-          <p:cNvPicPr/>
-          <p:nvPr/>
-        </p:nvPicPr>
-        <p:blipFill>
-          <a:blip r:embed="rId4"/>
-          <a:stretch/>
-        </p:blipFill>
-        <p:spPr>
-          <a:xfrm>
-            <a:off x="7628880" y="2550600"/>
-            <a:ext cx="2742480" cy="2742480"/>
-          </a:xfrm>
-          <a:prstGeom prst="rect">
-            <a:avLst/>
-          </a:prstGeom>
-          <a:ln>
-            <a:noFill/>
-          </a:ln>
-        </p:spPr>
-      </p:pic>
-      <p:sp>
-        <p:nvSpPr>
-          <p:cNvPr id="220" name="CustomShape 6"/>
-          <p:cNvSpPr/>
-          <p:nvPr/>
-        </p:nvSpPr>
-        <p:spPr>
-          <a:xfrm>
-            <a:off x="1827840" y="5345640"/>
-            <a:ext cx="2742480" cy="364680"/>
-          </a:xfrm>
-          <a:prstGeom prst="rect">
-            <a:avLst/>
-          </a:prstGeom>
-          <a:noFill/>
-          <a:ln>
-            <a:noFill/>
-          </a:ln>
-        </p:spPr>
-        <p:style>
-          <a:lnRef idx="0">
-            <a:scrgbClr r="0" g="0" b="0"/>
-          </a:lnRef>
-          <a:fillRef idx="0">
-            <a:scrgbClr r="0" g="0" b="0"/>
-          </a:fillRef>
-          <a:effectRef idx="0">
-            <a:scrgbClr r="0" g="0" b="0"/>
-          </a:effectRef>
-          <a:fontRef idx="minor"/>
-        </p:style>
-        <p:txBody>
-          <a:bodyPr lIns="90000" tIns="45000" rIns="90000" bIns="45000">
-            <a:spAutoFit/>
-          </a:bodyPr>
-          <a:lstStyle/>
-          <a:p>
-            <a:pPr>
-              <a:lnSpc>
-                <a:spcPct val="100000"/>
-              </a:lnSpc>
-            </a:pPr>
-            <a:r>
-              <a:rPr lang="en-US" spc="-1">
-                <a:solidFill>
-                  <a:srgbClr val="000000"/>
-                </a:solidFill>
-                <a:latin typeface="Courier New"/>
-                <a:ea typeface="DejaVu Sans"/>
-              </a:rPr>
-              <a:t>position="dodge"</a:t>
-            </a:r>
-            <a:endParaRPr lang="en-GB" spc="-1">
-              <a:latin typeface="Arial"/>
-            </a:endParaRPr>
-          </a:p>
-        </p:txBody>
-      </p:sp>
-      <p:sp>
-        <p:nvSpPr>
-          <p:cNvPr id="3" name="CustomShape 1">
-            <a:extLst>
-              <a:ext uri="{FF2B5EF4-FFF2-40B4-BE49-F238E27FC236}">
-                <a16:creationId xmlns:a16="http://schemas.microsoft.com/office/drawing/2014/main" id="{F30F4E2F-2E25-1EFB-458D-FAAED785ECD3}"/>
               </a:ext>
             </a:extLst>
           </p:cNvPr>
